--- a/200921 1821 presentation.pptx
+++ b/200921 1821 presentation.pptx
@@ -13,21 +13,21 @@
     <p:sldId id="289" r:id="rId4"/>
     <p:sldId id="290" r:id="rId5"/>
     <p:sldId id="272" r:id="rId6"/>
-    <p:sldId id="273" r:id="rId7"/>
-    <p:sldId id="287" r:id="rId8"/>
-    <p:sldId id="279" r:id="rId9"/>
-    <p:sldId id="280" r:id="rId10"/>
-    <p:sldId id="282" r:id="rId11"/>
-    <p:sldId id="274" r:id="rId12"/>
-    <p:sldId id="275" r:id="rId13"/>
-    <p:sldId id="276" r:id="rId14"/>
-    <p:sldId id="277" r:id="rId15"/>
-    <p:sldId id="278" r:id="rId16"/>
-    <p:sldId id="283" r:id="rId17"/>
-    <p:sldId id="284" r:id="rId18"/>
-    <p:sldId id="285" r:id="rId19"/>
-    <p:sldId id="286" r:id="rId20"/>
-    <p:sldId id="291" r:id="rId21"/>
+    <p:sldId id="279" r:id="rId7"/>
+    <p:sldId id="274" r:id="rId8"/>
+    <p:sldId id="277" r:id="rId9"/>
+    <p:sldId id="284" r:id="rId10"/>
+    <p:sldId id="291" r:id="rId11"/>
+    <p:sldId id="273" r:id="rId12"/>
+    <p:sldId id="287" r:id="rId13"/>
+    <p:sldId id="285" r:id="rId14"/>
+    <p:sldId id="286" r:id="rId15"/>
+    <p:sldId id="280" r:id="rId16"/>
+    <p:sldId id="282" r:id="rId17"/>
+    <p:sldId id="275" r:id="rId18"/>
+    <p:sldId id="276" r:id="rId19"/>
+    <p:sldId id="278" r:id="rId20"/>
+    <p:sldId id="283" r:id="rId21"/>
   </p:sldIdLst>
   <p:sldSz cx="12192000" cy="6858000"/>
   <p:notesSz cx="6858000" cy="9144000"/>
@@ -137,7 +137,7 @@
 <file path=ppt/revisionInfo.xml><?xml version="1.0" encoding="utf-8"?>
 <p1510:revInfo xmlns:a="http://schemas.openxmlformats.org/drawingml/2006/main" xmlns:r="http://schemas.openxmlformats.org/officeDocument/2006/relationships" xmlns:p1510="http://schemas.microsoft.com/office/powerpoint/2015/10/main">
   <p1510:revLst>
-    <p1510:client id="{53AD677B-5739-4925-9CBE-C3A9F1AD9382}" v="1289" dt="2020-09-22T01:18:59.851"/>
+    <p1510:client id="{53AD677B-5739-4925-9CBE-C3A9F1AD9382}" v="1306" dt="2020-09-22T01:53:26.641"/>
   </p1510:revLst>
 </p1510:revInfo>
 </file>
@@ -147,12 +147,12 @@
   <pc:docChgLst>
     <pc:chgData name="Wecke, Christopher" userId="811f7279-9324-4a68-9b7a-1e5d1138c5e9" providerId="ADAL" clId="{53AD677B-5739-4925-9CBE-C3A9F1AD9382}"/>
     <pc:docChg chg="undo custSel addSld modSld sldOrd">
-      <pc:chgData name="Wecke, Christopher" userId="811f7279-9324-4a68-9b7a-1e5d1138c5e9" providerId="ADAL" clId="{53AD677B-5739-4925-9CBE-C3A9F1AD9382}" dt="2020-09-22T01:19:00.361" v="1345" actId="27636"/>
+      <pc:chgData name="Wecke, Christopher" userId="811f7279-9324-4a68-9b7a-1e5d1138c5e9" providerId="ADAL" clId="{53AD677B-5739-4925-9CBE-C3A9F1AD9382}" dt="2020-09-22T01:53:35.448" v="1390" actId="1076"/>
       <pc:docMkLst>
         <pc:docMk/>
       </pc:docMkLst>
       <pc:sldChg chg="addSp modSp mod modAnim">
-        <pc:chgData name="Wecke, Christopher" userId="811f7279-9324-4a68-9b7a-1e5d1138c5e9" providerId="ADAL" clId="{53AD677B-5739-4925-9CBE-C3A9F1AD9382}" dt="2020-09-22T01:10:13.243" v="1318" actId="1076"/>
+        <pc:chgData name="Wecke, Christopher" userId="811f7279-9324-4a68-9b7a-1e5d1138c5e9" providerId="ADAL" clId="{53AD677B-5739-4925-9CBE-C3A9F1AD9382}" dt="2020-09-22T01:53:35.448" v="1390" actId="1076"/>
         <pc:sldMkLst>
           <pc:docMk/>
           <pc:sldMk cId="1359654972" sldId="272"/>
@@ -166,7 +166,7 @@
           </ac:spMkLst>
         </pc:spChg>
         <pc:spChg chg="add mod">
-          <ac:chgData name="Wecke, Christopher" userId="811f7279-9324-4a68-9b7a-1e5d1138c5e9" providerId="ADAL" clId="{53AD677B-5739-4925-9CBE-C3A9F1AD9382}" dt="2020-09-22T01:10:13.243" v="1318" actId="1076"/>
+          <ac:chgData name="Wecke, Christopher" userId="811f7279-9324-4a68-9b7a-1e5d1138c5e9" providerId="ADAL" clId="{53AD677B-5739-4925-9CBE-C3A9F1AD9382}" dt="2020-09-22T01:53:26.742" v="1388" actId="27636"/>
           <ac:spMkLst>
             <pc:docMk/>
             <pc:sldMk cId="1359654972" sldId="272"/>
@@ -174,7 +174,7 @@
           </ac:spMkLst>
         </pc:spChg>
         <pc:picChg chg="mod">
-          <ac:chgData name="Wecke, Christopher" userId="811f7279-9324-4a68-9b7a-1e5d1138c5e9" providerId="ADAL" clId="{53AD677B-5739-4925-9CBE-C3A9F1AD9382}" dt="2020-09-22T01:07:53.768" v="1296" actId="1076"/>
+          <ac:chgData name="Wecke, Christopher" userId="811f7279-9324-4a68-9b7a-1e5d1138c5e9" providerId="ADAL" clId="{53AD677B-5739-4925-9CBE-C3A9F1AD9382}" dt="2020-09-22T01:53:35.448" v="1390" actId="1076"/>
           <ac:picMkLst>
             <pc:docMk/>
             <pc:sldMk cId="1359654972" sldId="272"/>
@@ -190,8 +190,101 @@
           </ac:picMkLst>
         </pc:picChg>
       </pc:sldChg>
+      <pc:sldChg chg="ord modTransition">
+        <pc:chgData name="Wecke, Christopher" userId="811f7279-9324-4a68-9b7a-1e5d1138c5e9" providerId="ADAL" clId="{53AD677B-5739-4925-9CBE-C3A9F1AD9382}" dt="2020-09-22T01:52:02.481" v="1378"/>
+        <pc:sldMkLst>
+          <pc:docMk/>
+          <pc:sldMk cId="2444613281" sldId="273"/>
+        </pc:sldMkLst>
+      </pc:sldChg>
+      <pc:sldChg chg="ord modTransition">
+        <pc:chgData name="Wecke, Christopher" userId="811f7279-9324-4a68-9b7a-1e5d1138c5e9" providerId="ADAL" clId="{53AD677B-5739-4925-9CBE-C3A9F1AD9382}" dt="2020-09-22T01:52:17.623" v="1382"/>
+        <pc:sldMkLst>
+          <pc:docMk/>
+          <pc:sldMk cId="924390035" sldId="275"/>
+        </pc:sldMkLst>
+      </pc:sldChg>
+      <pc:sldChg chg="ord modTransition">
+        <pc:chgData name="Wecke, Christopher" userId="811f7279-9324-4a68-9b7a-1e5d1138c5e9" providerId="ADAL" clId="{53AD677B-5739-4925-9CBE-C3A9F1AD9382}" dt="2020-09-22T01:52:17.623" v="1382"/>
+        <pc:sldMkLst>
+          <pc:docMk/>
+          <pc:sldMk cId="3248665182" sldId="276"/>
+        </pc:sldMkLst>
+      </pc:sldChg>
+      <pc:sldChg chg="ord modTransition">
+        <pc:chgData name="Wecke, Christopher" userId="811f7279-9324-4a68-9b7a-1e5d1138c5e9" providerId="ADAL" clId="{53AD677B-5739-4925-9CBE-C3A9F1AD9382}" dt="2020-09-22T01:52:25.479" v="1384"/>
+        <pc:sldMkLst>
+          <pc:docMk/>
+          <pc:sldMk cId="1099684176" sldId="278"/>
+        </pc:sldMkLst>
+      </pc:sldChg>
+      <pc:sldChg chg="ord modTransition">
+        <pc:chgData name="Wecke, Christopher" userId="811f7279-9324-4a68-9b7a-1e5d1138c5e9" providerId="ADAL" clId="{53AD677B-5739-4925-9CBE-C3A9F1AD9382}" dt="2020-09-22T01:52:10.748" v="1380"/>
+        <pc:sldMkLst>
+          <pc:docMk/>
+          <pc:sldMk cId="874110007" sldId="280"/>
+        </pc:sldMkLst>
+      </pc:sldChg>
+      <pc:sldChg chg="ord modTransition">
+        <pc:chgData name="Wecke, Christopher" userId="811f7279-9324-4a68-9b7a-1e5d1138c5e9" providerId="ADAL" clId="{53AD677B-5739-4925-9CBE-C3A9F1AD9382}" dt="2020-09-22T01:52:10.748" v="1380"/>
+        <pc:sldMkLst>
+          <pc:docMk/>
+          <pc:sldMk cId="3104460377" sldId="282"/>
+        </pc:sldMkLst>
+      </pc:sldChg>
+      <pc:sldChg chg="ord modTransition">
+        <pc:chgData name="Wecke, Christopher" userId="811f7279-9324-4a68-9b7a-1e5d1138c5e9" providerId="ADAL" clId="{53AD677B-5739-4925-9CBE-C3A9F1AD9382}" dt="2020-09-22T01:52:25.479" v="1384"/>
+        <pc:sldMkLst>
+          <pc:docMk/>
+          <pc:sldMk cId="273634984" sldId="283"/>
+        </pc:sldMkLst>
+      </pc:sldChg>
+      <pc:sldChg chg="ord modTransition">
+        <pc:chgData name="Wecke, Christopher" userId="811f7279-9324-4a68-9b7a-1e5d1138c5e9" providerId="ADAL" clId="{53AD677B-5739-4925-9CBE-C3A9F1AD9382}" dt="2020-09-22T01:52:32.083" v="1386"/>
+        <pc:sldMkLst>
+          <pc:docMk/>
+          <pc:sldMk cId="2584618903" sldId="285"/>
+        </pc:sldMkLst>
+      </pc:sldChg>
+      <pc:sldChg chg="ord modTransition">
+        <pc:chgData name="Wecke, Christopher" userId="811f7279-9324-4a68-9b7a-1e5d1138c5e9" providerId="ADAL" clId="{53AD677B-5739-4925-9CBE-C3A9F1AD9382}" dt="2020-09-22T01:52:32.083" v="1386"/>
+        <pc:sldMkLst>
+          <pc:docMk/>
+          <pc:sldMk cId="3229474659" sldId="286"/>
+        </pc:sldMkLst>
+      </pc:sldChg>
+      <pc:sldChg chg="ord modTransition">
+        <pc:chgData name="Wecke, Christopher" userId="811f7279-9324-4a68-9b7a-1e5d1138c5e9" providerId="ADAL" clId="{53AD677B-5739-4925-9CBE-C3A9F1AD9382}" dt="2020-09-22T01:52:02.481" v="1378"/>
+        <pc:sldMkLst>
+          <pc:docMk/>
+          <pc:sldMk cId="3160687127" sldId="287"/>
+        </pc:sldMkLst>
+      </pc:sldChg>
+      <pc:sldChg chg="modSp mod">
+        <pc:chgData name="Wecke, Christopher" userId="811f7279-9324-4a68-9b7a-1e5d1138c5e9" providerId="ADAL" clId="{53AD677B-5739-4925-9CBE-C3A9F1AD9382}" dt="2020-09-22T01:44:28.299" v="1371" actId="14100"/>
+        <pc:sldMkLst>
+          <pc:docMk/>
+          <pc:sldMk cId="4157096330" sldId="288"/>
+        </pc:sldMkLst>
+        <pc:spChg chg="mod">
+          <ac:chgData name="Wecke, Christopher" userId="811f7279-9324-4a68-9b7a-1e5d1138c5e9" providerId="ADAL" clId="{53AD677B-5739-4925-9CBE-C3A9F1AD9382}" dt="2020-09-22T01:44:20.017" v="1367" actId="14100"/>
+          <ac:spMkLst>
+            <pc:docMk/>
+            <pc:sldMk cId="4157096330" sldId="288"/>
+            <ac:spMk id="2" creationId="{CDE37D70-F154-F840-A552-525393F5B582}"/>
+          </ac:spMkLst>
+        </pc:spChg>
+        <pc:spChg chg="mod">
+          <ac:chgData name="Wecke, Christopher" userId="811f7279-9324-4a68-9b7a-1e5d1138c5e9" providerId="ADAL" clId="{53AD677B-5739-4925-9CBE-C3A9F1AD9382}" dt="2020-09-22T01:44:28.299" v="1371" actId="14100"/>
+          <ac:spMkLst>
+            <pc:docMk/>
+            <pc:sldMk cId="4157096330" sldId="288"/>
+            <ac:spMk id="3" creationId="{9EA4337E-5528-0746-905C-4C7828A44938}"/>
+          </ac:spMkLst>
+        </pc:spChg>
+      </pc:sldChg>
       <pc:sldChg chg="addSp delSp modSp mod modAnim">
-        <pc:chgData name="Wecke, Christopher" userId="811f7279-9324-4a68-9b7a-1e5d1138c5e9" providerId="ADAL" clId="{53AD677B-5739-4925-9CBE-C3A9F1AD9382}" dt="2020-09-22T01:19:00.361" v="1345" actId="27636"/>
+        <pc:chgData name="Wecke, Christopher" userId="811f7279-9324-4a68-9b7a-1e5d1138c5e9" providerId="ADAL" clId="{53AD677B-5739-4925-9CBE-C3A9F1AD9382}" dt="2020-09-22T01:43:50.430" v="1360" actId="27636"/>
         <pc:sldMkLst>
           <pc:docMk/>
           <pc:sldMk cId="1795285825" sldId="289"/>
@@ -205,7 +298,7 @@
           </ac:spMkLst>
         </pc:spChg>
         <pc:spChg chg="mod">
-          <ac:chgData name="Wecke, Christopher" userId="811f7279-9324-4a68-9b7a-1e5d1138c5e9" providerId="ADAL" clId="{53AD677B-5739-4925-9CBE-C3A9F1AD9382}" dt="2020-09-22T01:19:00.361" v="1345" actId="27636"/>
+          <ac:chgData name="Wecke, Christopher" userId="811f7279-9324-4a68-9b7a-1e5d1138c5e9" providerId="ADAL" clId="{53AD677B-5739-4925-9CBE-C3A9F1AD9382}" dt="2020-09-22T01:43:50.430" v="1360" actId="27636"/>
           <ac:spMkLst>
             <pc:docMk/>
             <pc:sldMk cId="1795285825" sldId="289"/>
@@ -220,6 +313,29 @@
             <ac:graphicFrameMk id="4" creationId="{0595D47B-E549-4AFF-96FA-BA37D9A0C7BC}"/>
           </ac:graphicFrameMkLst>
         </pc:graphicFrameChg>
+      </pc:sldChg>
+      <pc:sldChg chg="modSp mod">
+        <pc:chgData name="Wecke, Christopher" userId="811f7279-9324-4a68-9b7a-1e5d1138c5e9" providerId="ADAL" clId="{53AD677B-5739-4925-9CBE-C3A9F1AD9382}" dt="2020-09-22T01:44:12.954" v="1365" actId="14100"/>
+        <pc:sldMkLst>
+          <pc:docMk/>
+          <pc:sldMk cId="1241606401" sldId="290"/>
+        </pc:sldMkLst>
+        <pc:spChg chg="mod">
+          <ac:chgData name="Wecke, Christopher" userId="811f7279-9324-4a68-9b7a-1e5d1138c5e9" providerId="ADAL" clId="{53AD677B-5739-4925-9CBE-C3A9F1AD9382}" dt="2020-09-22T01:44:06.053" v="1362" actId="14100"/>
+          <ac:spMkLst>
+            <pc:docMk/>
+            <pc:sldMk cId="1241606401" sldId="290"/>
+            <ac:spMk id="2" creationId="{CDE37D70-F154-F840-A552-525393F5B582}"/>
+          </ac:spMkLst>
+        </pc:spChg>
+        <pc:spChg chg="mod">
+          <ac:chgData name="Wecke, Christopher" userId="811f7279-9324-4a68-9b7a-1e5d1138c5e9" providerId="ADAL" clId="{53AD677B-5739-4925-9CBE-C3A9F1AD9382}" dt="2020-09-22T01:44:12.954" v="1365" actId="14100"/>
+          <ac:spMkLst>
+            <pc:docMk/>
+            <pc:sldMk cId="1241606401" sldId="290"/>
+            <ac:spMk id="3" creationId="{9EA4337E-5528-0746-905C-4C7828A44938}"/>
+          </ac:spMkLst>
+        </pc:spChg>
       </pc:sldChg>
       <pc:sldChg chg="modSp add mod ord modAnim">
         <pc:chgData name="Wecke, Christopher" userId="811f7279-9324-4a68-9b7a-1e5d1138c5e9" providerId="ADAL" clId="{53AD677B-5739-4925-9CBE-C3A9F1AD9382}" dt="2020-09-22T01:06:46.412" v="1292" actId="14100"/>
@@ -750,7 +866,7 @@
           <a:p>
             <a:fld id="{4D6E2899-5252-294E-A199-8F2E76793216}" type="slidenum">
               <a:rPr lang="en-US" smtClean="0"/>
-              <a:t>11</a:t>
+              <a:t>7</a:t>
             </a:fld>
             <a:endParaRPr lang="en-US"/>
           </a:p>
@@ -815,7 +931,13 @@
           <a:p>
             <a:r>
               <a:rPr lang="en-US" dirty="0"/>
-              <a:t>Top areas – STL and KC metro areas.</a:t>
+              <a:t>No. 1 – Scotland County (35%)</a:t>
+            </a:r>
+          </a:p>
+          <a:p>
+            <a:r>
+              <a:rPr lang="en-US" dirty="0"/>
+              <a:t>No. 2 – Morgan County (22%)</a:t>
             </a:r>
           </a:p>
         </p:txBody>
@@ -837,7 +959,7 @@
           <a:p>
             <a:fld id="{4D6E2899-5252-294E-A199-8F2E76793216}" type="slidenum">
               <a:rPr lang="en-US" smtClean="0"/>
-              <a:t>16</a:t>
+              <a:t>9</a:t>
             </a:fld>
             <a:endParaRPr lang="en-US"/>
           </a:p>
@@ -846,7 +968,7 @@
     </p:spTree>
     <p:extLst>
       <p:ext uri="{BB962C8B-B14F-4D97-AF65-F5344CB8AC3E}">
-        <p14:creationId xmlns:p14="http://schemas.microsoft.com/office/powerpoint/2010/main" val="739233918"/>
+        <p14:creationId xmlns:p14="http://schemas.microsoft.com/office/powerpoint/2010/main" val="757048403"/>
       </p:ext>
     </p:extLst>
   </p:cSld>
@@ -900,16 +1022,7 @@
           <a:bodyPr/>
           <a:lstStyle/>
           <a:p>
-            <a:r>
-              <a:rPr lang="en-US" dirty="0"/>
-              <a:t>No. 1 – Scotland County (35%)</a:t>
-            </a:r>
-          </a:p>
-          <a:p>
-            <a:r>
-              <a:rPr lang="en-US" dirty="0"/>
-              <a:t>No. 2 – Morgan County (22%)</a:t>
-            </a:r>
+            <a:endParaRPr lang="en-US" dirty="0"/>
           </a:p>
         </p:txBody>
       </p:sp>
@@ -930,7 +1043,7 @@
           <a:p>
             <a:fld id="{4D6E2899-5252-294E-A199-8F2E76793216}" type="slidenum">
               <a:rPr lang="en-US" smtClean="0"/>
-              <a:t>17</a:t>
+              <a:t>13</a:t>
             </a:fld>
             <a:endParaRPr lang="en-US"/>
           </a:p>
@@ -939,7 +1052,7 @@
     </p:spTree>
     <p:extLst>
       <p:ext uri="{BB962C8B-B14F-4D97-AF65-F5344CB8AC3E}">
-        <p14:creationId xmlns:p14="http://schemas.microsoft.com/office/powerpoint/2010/main" val="757048403"/>
+        <p14:creationId xmlns:p14="http://schemas.microsoft.com/office/powerpoint/2010/main" val="704740798"/>
       </p:ext>
     </p:extLst>
   </p:cSld>
@@ -993,7 +1106,10 @@
           <a:bodyPr/>
           <a:lstStyle/>
           <a:p>
-            <a:endParaRPr lang="en-US" dirty="0"/>
+            <a:r>
+              <a:rPr lang="en-US" dirty="0"/>
+              <a:t>Top areas – STL and KC metro areas.</a:t>
+            </a:r>
           </a:p>
         </p:txBody>
       </p:sp>
@@ -1014,7 +1130,7 @@
           <a:p>
             <a:fld id="{4D6E2899-5252-294E-A199-8F2E76793216}" type="slidenum">
               <a:rPr lang="en-US" smtClean="0"/>
-              <a:t>18</a:t>
+              <a:t>20</a:t>
             </a:fld>
             <a:endParaRPr lang="en-US"/>
           </a:p>
@@ -1023,7 +1139,7 @@
     </p:spTree>
     <p:extLst>
       <p:ext uri="{BB962C8B-B14F-4D97-AF65-F5344CB8AC3E}">
-        <p14:creationId xmlns:p14="http://schemas.microsoft.com/office/powerpoint/2010/main" val="704740798"/>
+        <p14:creationId xmlns:p14="http://schemas.microsoft.com/office/powerpoint/2010/main" val="739233918"/>
       </p:ext>
     </p:extLst>
   </p:cSld>
@@ -5480,6 +5596,1058 @@
           <p:cNvPr id="2" name="Title 1">
             <a:extLst>
               <a:ext uri="{FF2B5EF4-FFF2-40B4-BE49-F238E27FC236}">
+                <a16:creationId xmlns:a16="http://schemas.microsoft.com/office/drawing/2014/main" id="{CDE37D70-F154-F840-A552-525393F5B582}"/>
+              </a:ext>
+            </a:extLst>
+          </p:cNvPr>
+          <p:cNvSpPr>
+            <a:spLocks noGrp="1"/>
+          </p:cNvSpPr>
+          <p:nvPr>
+            <p:ph type="title"/>
+          </p:nvPr>
+        </p:nvSpPr>
+        <p:spPr>
+          <a:xfrm>
+            <a:off x="1069848" y="109728"/>
+            <a:ext cx="10058400" cy="749808"/>
+          </a:xfrm>
+        </p:spPr>
+        <p:txBody>
+          <a:bodyPr>
+            <a:normAutofit/>
+          </a:bodyPr>
+          <a:lstStyle/>
+          <a:p>
+            <a:r>
+              <a:rPr lang="en-US" sz="4800" dirty="0"/>
+              <a:t>Conclusion</a:t>
+            </a:r>
+          </a:p>
+        </p:txBody>
+      </p:sp>
+      <p:sp>
+        <p:nvSpPr>
+          <p:cNvPr id="3" name="Content Placeholder 2">
+            <a:extLst>
+              <a:ext uri="{FF2B5EF4-FFF2-40B4-BE49-F238E27FC236}">
+                <a16:creationId xmlns:a16="http://schemas.microsoft.com/office/drawing/2014/main" id="{9EA4337E-5528-0746-905C-4C7828A44938}"/>
+              </a:ext>
+            </a:extLst>
+          </p:cNvPr>
+          <p:cNvSpPr>
+            <a:spLocks noGrp="1"/>
+          </p:cNvSpPr>
+          <p:nvPr>
+            <p:ph idx="1"/>
+          </p:nvPr>
+        </p:nvSpPr>
+        <p:spPr>
+          <a:xfrm>
+            <a:off x="228600" y="1069848"/>
+            <a:ext cx="11823192" cy="5504688"/>
+          </a:xfrm>
+        </p:spPr>
+        <p:txBody>
+          <a:bodyPr>
+            <a:normAutofit/>
+          </a:bodyPr>
+          <a:lstStyle/>
+          <a:p>
+            <a:r>
+              <a:rPr lang="en-US" sz="2400" b="1" dirty="0"/>
+              <a:t>There were several shortcomings of our project, primarily the lack of individual result analysis and comparison to state, region, national, and global metrics</a:t>
+            </a:r>
+          </a:p>
+          <a:p>
+            <a:r>
+              <a:rPr lang="en-US" sz="2400" b="1" dirty="0"/>
+              <a:t>Even with the flaws of our study, the results show that COVID-19 does not discriminate</a:t>
+            </a:r>
+          </a:p>
+          <a:p>
+            <a:r>
+              <a:rPr lang="en-US" sz="2400" b="1" dirty="0"/>
+              <a:t>However, we postulate that correlation was not presented due to the following:</a:t>
+            </a:r>
+          </a:p>
+          <a:p>
+            <a:pPr lvl="1"/>
+            <a:r>
+              <a:rPr lang="en-US" sz="2200" b="1" dirty="0"/>
+              <a:t>Age above 65: </a:t>
+            </a:r>
+            <a:r>
+              <a:rPr lang="en-US" sz="2200" dirty="0"/>
+              <a:t>Population not venturing into public for potential exposure</a:t>
+            </a:r>
+          </a:p>
+          <a:p>
+            <a:pPr lvl="1"/>
+            <a:r>
+              <a:rPr lang="en-US" sz="2200" b="1" dirty="0"/>
+              <a:t>Uninsured: </a:t>
+            </a:r>
+            <a:r>
+              <a:rPr lang="en-US" sz="2200" dirty="0"/>
+              <a:t>Without insurance, population less likely to seek medical attention i.e. COVID-19 testing</a:t>
+            </a:r>
+          </a:p>
+          <a:p>
+            <a:pPr lvl="1"/>
+            <a:r>
+              <a:rPr lang="en-US" sz="2200" b="1" dirty="0"/>
+              <a:t>Median Income: </a:t>
+            </a:r>
+            <a:r>
+              <a:rPr lang="en-US" sz="2200" dirty="0"/>
+              <a:t>As a group, we supposed that the poverty line variable would have been more significant and more accurate than median income, but that did not prove out. Most likely due to a potential correlation with uninsured rate (another gap in the study)</a:t>
+            </a:r>
+            <a:endParaRPr lang="en-US" sz="2200" b="1" dirty="0"/>
+          </a:p>
+        </p:txBody>
+      </p:sp>
+    </p:spTree>
+    <p:extLst>
+      <p:ext uri="{BB962C8B-B14F-4D97-AF65-F5344CB8AC3E}">
+        <p14:creationId xmlns:p14="http://schemas.microsoft.com/office/powerpoint/2010/main" val="1834799103"/>
+      </p:ext>
+    </p:extLst>
+  </p:cSld>
+  <p:clrMapOvr>
+    <a:masterClrMapping/>
+  </p:clrMapOvr>
+  <p:timing>
+    <p:tnLst>
+      <p:par>
+        <p:cTn id="1" dur="indefinite" restart="never" nodeType="tmRoot">
+          <p:childTnLst>
+            <p:seq concurrent="1" nextAc="seek">
+              <p:cTn id="2" dur="indefinite" nodeType="mainSeq">
+                <p:childTnLst>
+                  <p:par>
+                    <p:cTn id="3" fill="hold">
+                      <p:stCondLst>
+                        <p:cond delay="indefinite"/>
+                      </p:stCondLst>
+                      <p:childTnLst>
+                        <p:par>
+                          <p:cTn id="4" fill="hold">
+                            <p:stCondLst>
+                              <p:cond delay="0"/>
+                            </p:stCondLst>
+                            <p:childTnLst>
+                              <p:par>
+                                <p:cTn id="5" presetID="1" presetClass="entr" presetSubtype="0" fill="hold" nodeType="clickEffect">
+                                  <p:stCondLst>
+                                    <p:cond delay="0"/>
+                                  </p:stCondLst>
+                                  <p:childTnLst>
+                                    <p:set>
+                                      <p:cBhvr>
+                                        <p:cTn id="6" dur="1" fill="hold">
+                                          <p:stCondLst>
+                                            <p:cond delay="0"/>
+                                          </p:stCondLst>
+                                        </p:cTn>
+                                        <p:tgtEl>
+                                          <p:spTgt spid="3">
+                                            <p:txEl>
+                                              <p:pRg st="0" end="0"/>
+                                            </p:txEl>
+                                          </p:spTgt>
+                                        </p:tgtEl>
+                                        <p:attrNameLst>
+                                          <p:attrName>style.visibility</p:attrName>
+                                        </p:attrNameLst>
+                                      </p:cBhvr>
+                                      <p:to>
+                                        <p:strVal val="visible"/>
+                                      </p:to>
+                                    </p:set>
+                                  </p:childTnLst>
+                                </p:cTn>
+                              </p:par>
+                            </p:childTnLst>
+                          </p:cTn>
+                        </p:par>
+                      </p:childTnLst>
+                    </p:cTn>
+                  </p:par>
+                  <p:par>
+                    <p:cTn id="7" fill="hold">
+                      <p:stCondLst>
+                        <p:cond delay="indefinite"/>
+                      </p:stCondLst>
+                      <p:childTnLst>
+                        <p:par>
+                          <p:cTn id="8" fill="hold">
+                            <p:stCondLst>
+                              <p:cond delay="0"/>
+                            </p:stCondLst>
+                            <p:childTnLst>
+                              <p:par>
+                                <p:cTn id="9" presetID="1" presetClass="entr" presetSubtype="0" fill="hold" nodeType="clickEffect">
+                                  <p:stCondLst>
+                                    <p:cond delay="0"/>
+                                  </p:stCondLst>
+                                  <p:childTnLst>
+                                    <p:set>
+                                      <p:cBhvr>
+                                        <p:cTn id="10" dur="1" fill="hold">
+                                          <p:stCondLst>
+                                            <p:cond delay="0"/>
+                                          </p:stCondLst>
+                                        </p:cTn>
+                                        <p:tgtEl>
+                                          <p:spTgt spid="3">
+                                            <p:txEl>
+                                              <p:pRg st="1" end="1"/>
+                                            </p:txEl>
+                                          </p:spTgt>
+                                        </p:tgtEl>
+                                        <p:attrNameLst>
+                                          <p:attrName>style.visibility</p:attrName>
+                                        </p:attrNameLst>
+                                      </p:cBhvr>
+                                      <p:to>
+                                        <p:strVal val="visible"/>
+                                      </p:to>
+                                    </p:set>
+                                  </p:childTnLst>
+                                </p:cTn>
+                              </p:par>
+                            </p:childTnLst>
+                          </p:cTn>
+                        </p:par>
+                      </p:childTnLst>
+                    </p:cTn>
+                  </p:par>
+                  <p:par>
+                    <p:cTn id="11" fill="hold">
+                      <p:stCondLst>
+                        <p:cond delay="indefinite"/>
+                      </p:stCondLst>
+                      <p:childTnLst>
+                        <p:par>
+                          <p:cTn id="12" fill="hold">
+                            <p:stCondLst>
+                              <p:cond delay="0"/>
+                            </p:stCondLst>
+                            <p:childTnLst>
+                              <p:par>
+                                <p:cTn id="13" presetID="1" presetClass="entr" presetSubtype="0" fill="hold" nodeType="clickEffect">
+                                  <p:stCondLst>
+                                    <p:cond delay="0"/>
+                                  </p:stCondLst>
+                                  <p:childTnLst>
+                                    <p:set>
+                                      <p:cBhvr>
+                                        <p:cTn id="14" dur="1" fill="hold">
+                                          <p:stCondLst>
+                                            <p:cond delay="0"/>
+                                          </p:stCondLst>
+                                        </p:cTn>
+                                        <p:tgtEl>
+                                          <p:spTgt spid="3">
+                                            <p:txEl>
+                                              <p:pRg st="2" end="2"/>
+                                            </p:txEl>
+                                          </p:spTgt>
+                                        </p:tgtEl>
+                                        <p:attrNameLst>
+                                          <p:attrName>style.visibility</p:attrName>
+                                        </p:attrNameLst>
+                                      </p:cBhvr>
+                                      <p:to>
+                                        <p:strVal val="visible"/>
+                                      </p:to>
+                                    </p:set>
+                                  </p:childTnLst>
+                                </p:cTn>
+                              </p:par>
+                            </p:childTnLst>
+                          </p:cTn>
+                        </p:par>
+                      </p:childTnLst>
+                    </p:cTn>
+                  </p:par>
+                  <p:par>
+                    <p:cTn id="15" fill="hold">
+                      <p:stCondLst>
+                        <p:cond delay="indefinite"/>
+                      </p:stCondLst>
+                      <p:childTnLst>
+                        <p:par>
+                          <p:cTn id="16" fill="hold">
+                            <p:stCondLst>
+                              <p:cond delay="0"/>
+                            </p:stCondLst>
+                            <p:childTnLst>
+                              <p:par>
+                                <p:cTn id="17" presetID="1" presetClass="entr" presetSubtype="0" fill="hold" nodeType="clickEffect">
+                                  <p:stCondLst>
+                                    <p:cond delay="0"/>
+                                  </p:stCondLst>
+                                  <p:childTnLst>
+                                    <p:set>
+                                      <p:cBhvr>
+                                        <p:cTn id="18" dur="1" fill="hold">
+                                          <p:stCondLst>
+                                            <p:cond delay="0"/>
+                                          </p:stCondLst>
+                                        </p:cTn>
+                                        <p:tgtEl>
+                                          <p:spTgt spid="3">
+                                            <p:txEl>
+                                              <p:pRg st="3" end="3"/>
+                                            </p:txEl>
+                                          </p:spTgt>
+                                        </p:tgtEl>
+                                        <p:attrNameLst>
+                                          <p:attrName>style.visibility</p:attrName>
+                                        </p:attrNameLst>
+                                      </p:cBhvr>
+                                      <p:to>
+                                        <p:strVal val="visible"/>
+                                      </p:to>
+                                    </p:set>
+                                  </p:childTnLst>
+                                </p:cTn>
+                              </p:par>
+                            </p:childTnLst>
+                          </p:cTn>
+                        </p:par>
+                      </p:childTnLst>
+                    </p:cTn>
+                  </p:par>
+                  <p:par>
+                    <p:cTn id="19" fill="hold">
+                      <p:stCondLst>
+                        <p:cond delay="indefinite"/>
+                      </p:stCondLst>
+                      <p:childTnLst>
+                        <p:par>
+                          <p:cTn id="20" fill="hold">
+                            <p:stCondLst>
+                              <p:cond delay="0"/>
+                            </p:stCondLst>
+                            <p:childTnLst>
+                              <p:par>
+                                <p:cTn id="21" presetID="1" presetClass="entr" presetSubtype="0" fill="hold" nodeType="clickEffect">
+                                  <p:stCondLst>
+                                    <p:cond delay="0"/>
+                                  </p:stCondLst>
+                                  <p:childTnLst>
+                                    <p:set>
+                                      <p:cBhvr>
+                                        <p:cTn id="22" dur="1" fill="hold">
+                                          <p:stCondLst>
+                                            <p:cond delay="0"/>
+                                          </p:stCondLst>
+                                        </p:cTn>
+                                        <p:tgtEl>
+                                          <p:spTgt spid="3">
+                                            <p:txEl>
+                                              <p:pRg st="4" end="4"/>
+                                            </p:txEl>
+                                          </p:spTgt>
+                                        </p:tgtEl>
+                                        <p:attrNameLst>
+                                          <p:attrName>style.visibility</p:attrName>
+                                        </p:attrNameLst>
+                                      </p:cBhvr>
+                                      <p:to>
+                                        <p:strVal val="visible"/>
+                                      </p:to>
+                                    </p:set>
+                                  </p:childTnLst>
+                                </p:cTn>
+                              </p:par>
+                            </p:childTnLst>
+                          </p:cTn>
+                        </p:par>
+                      </p:childTnLst>
+                    </p:cTn>
+                  </p:par>
+                  <p:par>
+                    <p:cTn id="23" fill="hold">
+                      <p:stCondLst>
+                        <p:cond delay="indefinite"/>
+                      </p:stCondLst>
+                      <p:childTnLst>
+                        <p:par>
+                          <p:cTn id="24" fill="hold">
+                            <p:stCondLst>
+                              <p:cond delay="0"/>
+                            </p:stCondLst>
+                            <p:childTnLst>
+                              <p:par>
+                                <p:cTn id="25" presetID="1" presetClass="entr" presetSubtype="0" fill="hold" nodeType="clickEffect">
+                                  <p:stCondLst>
+                                    <p:cond delay="0"/>
+                                  </p:stCondLst>
+                                  <p:childTnLst>
+                                    <p:set>
+                                      <p:cBhvr>
+                                        <p:cTn id="26" dur="1" fill="hold">
+                                          <p:stCondLst>
+                                            <p:cond delay="0"/>
+                                          </p:stCondLst>
+                                        </p:cTn>
+                                        <p:tgtEl>
+                                          <p:spTgt spid="3">
+                                            <p:txEl>
+                                              <p:pRg st="5" end="5"/>
+                                            </p:txEl>
+                                          </p:spTgt>
+                                        </p:tgtEl>
+                                        <p:attrNameLst>
+                                          <p:attrName>style.visibility</p:attrName>
+                                        </p:attrNameLst>
+                                      </p:cBhvr>
+                                      <p:to>
+                                        <p:strVal val="visible"/>
+                                      </p:to>
+                                    </p:set>
+                                  </p:childTnLst>
+                                </p:cTn>
+                              </p:par>
+                            </p:childTnLst>
+                          </p:cTn>
+                        </p:par>
+                      </p:childTnLst>
+                    </p:cTn>
+                  </p:par>
+                </p:childTnLst>
+              </p:cTn>
+              <p:prevCondLst>
+                <p:cond evt="onPrev" delay="0">
+                  <p:tgtEl>
+                    <p:sldTgt/>
+                  </p:tgtEl>
+                </p:cond>
+              </p:prevCondLst>
+              <p:nextCondLst>
+                <p:cond evt="onNext" delay="0">
+                  <p:tgtEl>
+                    <p:sldTgt/>
+                  </p:tgtEl>
+                </p:cond>
+              </p:nextCondLst>
+            </p:seq>
+          </p:childTnLst>
+        </p:cTn>
+      </p:par>
+    </p:tnLst>
+  </p:timing>
+</p:sld>
+</file>
+
+<file path=ppt/slides/slide11.xml><?xml version="1.0" encoding="utf-8"?>
+<p:sld xmlns:a="http://schemas.openxmlformats.org/drawingml/2006/main" xmlns:r="http://schemas.openxmlformats.org/officeDocument/2006/relationships" xmlns:p="http://schemas.openxmlformats.org/presentationml/2006/main" show="0">
+  <p:cSld>
+    <p:spTree>
+      <p:nvGrpSpPr>
+        <p:cNvPr id="1" name=""/>
+        <p:cNvGrpSpPr/>
+        <p:nvPr/>
+      </p:nvGrpSpPr>
+      <p:grpSpPr>
+        <a:xfrm>
+          <a:off x="0" y="0"/>
+          <a:ext cx="0" cy="0"/>
+          <a:chOff x="0" y="0"/>
+          <a:chExt cx="0" cy="0"/>
+        </a:xfrm>
+      </p:grpSpPr>
+      <p:sp>
+        <p:nvSpPr>
+          <p:cNvPr id="2" name="Title 1">
+            <a:extLst>
+              <a:ext uri="{FF2B5EF4-FFF2-40B4-BE49-F238E27FC236}">
+                <a16:creationId xmlns:a16="http://schemas.microsoft.com/office/drawing/2014/main" id="{01A644D8-9691-634A-9A30-BBF066227A00}"/>
+              </a:ext>
+            </a:extLst>
+          </p:cNvPr>
+          <p:cNvSpPr>
+            <a:spLocks noGrp="1"/>
+          </p:cNvSpPr>
+          <p:nvPr>
+            <p:ph type="title"/>
+          </p:nvPr>
+        </p:nvSpPr>
+        <p:spPr/>
+        <p:txBody>
+          <a:bodyPr>
+            <a:normAutofit/>
+          </a:bodyPr>
+          <a:lstStyle/>
+          <a:p>
+            <a:r>
+              <a:rPr lang="en-US" sz="4800" spc="-200" dirty="0"/>
+              <a:t>deaths per capita vs. Median household income</a:t>
+            </a:r>
+          </a:p>
+        </p:txBody>
+      </p:sp>
+      <p:pic>
+        <p:nvPicPr>
+          <p:cNvPr id="6" name="Content Placeholder 5">
+            <a:extLst>
+              <a:ext uri="{FF2B5EF4-FFF2-40B4-BE49-F238E27FC236}">
+                <a16:creationId xmlns:a16="http://schemas.microsoft.com/office/drawing/2014/main" id="{35829E8F-5B70-6C45-9D25-4BEE662B8E95}"/>
+              </a:ext>
+            </a:extLst>
+          </p:cNvPr>
+          <p:cNvPicPr>
+            <a:picLocks noGrp="1" noChangeAspect="1"/>
+          </p:cNvPicPr>
+          <p:nvPr>
+            <p:ph sz="half" idx="1"/>
+          </p:nvPr>
+        </p:nvPicPr>
+        <p:blipFill>
+          <a:blip r:embed="rId2"/>
+          <a:srcRect/>
+          <a:stretch/>
+        </p:blipFill>
+        <p:spPr>
+          <a:xfrm>
+            <a:off x="1069975" y="2598208"/>
+            <a:ext cx="4754562" cy="3169708"/>
+          </a:xfrm>
+        </p:spPr>
+      </p:pic>
+      <p:pic>
+        <p:nvPicPr>
+          <p:cNvPr id="7" name="Content Placeholder 6" descr="A picture containing orange&#10;&#10;Description automatically generated">
+            <a:extLst>
+              <a:ext uri="{FF2B5EF4-FFF2-40B4-BE49-F238E27FC236}">
+                <a16:creationId xmlns:a16="http://schemas.microsoft.com/office/drawing/2014/main" id="{F55B25ED-BF94-FE48-AE6E-EA3BE69C2350}"/>
+              </a:ext>
+            </a:extLst>
+          </p:cNvPr>
+          <p:cNvPicPr>
+            <a:picLocks noGrp="1" noChangeAspect="1"/>
+          </p:cNvPicPr>
+          <p:nvPr>
+            <p:ph sz="half" idx="2"/>
+          </p:nvPr>
+        </p:nvPicPr>
+        <p:blipFill>
+          <a:blip r:embed="rId3"/>
+          <a:stretch>
+            <a:fillRect/>
+          </a:stretch>
+        </p:blipFill>
+        <p:spPr>
+          <a:xfrm>
+            <a:off x="6364288" y="2654810"/>
+            <a:ext cx="4754562" cy="3056504"/>
+          </a:xfrm>
+        </p:spPr>
+      </p:pic>
+    </p:spTree>
+    <p:extLst>
+      <p:ext uri="{BB962C8B-B14F-4D97-AF65-F5344CB8AC3E}">
+        <p14:creationId xmlns:p14="http://schemas.microsoft.com/office/powerpoint/2010/main" val="2444613281"/>
+      </p:ext>
+    </p:extLst>
+  </p:cSld>
+  <p:clrMapOvr>
+    <a:masterClrMapping/>
+  </p:clrMapOvr>
+</p:sld>
+</file>
+
+<file path=ppt/slides/slide12.xml><?xml version="1.0" encoding="utf-8"?>
+<p:sld xmlns:a="http://schemas.openxmlformats.org/drawingml/2006/main" xmlns:r="http://schemas.openxmlformats.org/officeDocument/2006/relationships" xmlns:p="http://schemas.openxmlformats.org/presentationml/2006/main" show="0">
+  <p:cSld>
+    <p:spTree>
+      <p:nvGrpSpPr>
+        <p:cNvPr id="1" name=""/>
+        <p:cNvGrpSpPr/>
+        <p:nvPr/>
+      </p:nvGrpSpPr>
+      <p:grpSpPr>
+        <a:xfrm>
+          <a:off x="0" y="0"/>
+          <a:ext cx="0" cy="0"/>
+          <a:chOff x="0" y="0"/>
+          <a:chExt cx="0" cy="0"/>
+        </a:xfrm>
+      </p:grpSpPr>
+      <p:sp>
+        <p:nvSpPr>
+          <p:cNvPr id="2" name="Title 1">
+            <a:extLst>
+              <a:ext uri="{FF2B5EF4-FFF2-40B4-BE49-F238E27FC236}">
+                <a16:creationId xmlns:a16="http://schemas.microsoft.com/office/drawing/2014/main" id="{01A644D8-9691-634A-9A30-BBF066227A00}"/>
+              </a:ext>
+            </a:extLst>
+          </p:cNvPr>
+          <p:cNvSpPr>
+            <a:spLocks noGrp="1"/>
+          </p:cNvSpPr>
+          <p:nvPr>
+            <p:ph type="title"/>
+          </p:nvPr>
+        </p:nvSpPr>
+        <p:spPr/>
+        <p:txBody>
+          <a:bodyPr>
+            <a:normAutofit/>
+          </a:bodyPr>
+          <a:lstStyle/>
+          <a:p>
+            <a:r>
+              <a:rPr lang="en-US" sz="4800" spc="-100" dirty="0"/>
+              <a:t>Mortality rate vs. Median household income</a:t>
+            </a:r>
+          </a:p>
+        </p:txBody>
+      </p:sp>
+      <p:pic>
+        <p:nvPicPr>
+          <p:cNvPr id="6" name="Content Placeholder 5">
+            <a:extLst>
+              <a:ext uri="{FF2B5EF4-FFF2-40B4-BE49-F238E27FC236}">
+                <a16:creationId xmlns:a16="http://schemas.microsoft.com/office/drawing/2014/main" id="{35829E8F-5B70-6C45-9D25-4BEE662B8E95}"/>
+              </a:ext>
+            </a:extLst>
+          </p:cNvPr>
+          <p:cNvPicPr>
+            <a:picLocks noGrp="1" noChangeAspect="1"/>
+          </p:cNvPicPr>
+          <p:nvPr>
+            <p:ph sz="half" idx="1"/>
+          </p:nvPr>
+        </p:nvPicPr>
+        <p:blipFill>
+          <a:blip r:embed="rId2"/>
+          <a:srcRect/>
+          <a:stretch/>
+        </p:blipFill>
+        <p:spPr>
+          <a:xfrm>
+            <a:off x="1069975" y="2598208"/>
+            <a:ext cx="4754562" cy="3169708"/>
+          </a:xfrm>
+        </p:spPr>
+      </p:pic>
+      <p:pic>
+        <p:nvPicPr>
+          <p:cNvPr id="7" name="Content Placeholder 6" descr="A picture containing orange&#10;&#10;Description automatically generated">
+            <a:extLst>
+              <a:ext uri="{FF2B5EF4-FFF2-40B4-BE49-F238E27FC236}">
+                <a16:creationId xmlns:a16="http://schemas.microsoft.com/office/drawing/2014/main" id="{F55B25ED-BF94-FE48-AE6E-EA3BE69C2350}"/>
+              </a:ext>
+            </a:extLst>
+          </p:cNvPr>
+          <p:cNvPicPr>
+            <a:picLocks noGrp="1" noChangeAspect="1"/>
+          </p:cNvPicPr>
+          <p:nvPr>
+            <p:ph sz="half" idx="2"/>
+          </p:nvPr>
+        </p:nvPicPr>
+        <p:blipFill>
+          <a:blip r:embed="rId3"/>
+          <a:stretch>
+            <a:fillRect/>
+          </a:stretch>
+        </p:blipFill>
+        <p:spPr>
+          <a:xfrm>
+            <a:off x="6364288" y="2654810"/>
+            <a:ext cx="4754562" cy="3056504"/>
+          </a:xfrm>
+        </p:spPr>
+      </p:pic>
+    </p:spTree>
+    <p:extLst>
+      <p:ext uri="{BB962C8B-B14F-4D97-AF65-F5344CB8AC3E}">
+        <p14:creationId xmlns:p14="http://schemas.microsoft.com/office/powerpoint/2010/main" val="3160687127"/>
+      </p:ext>
+    </p:extLst>
+  </p:cSld>
+  <p:clrMapOvr>
+    <a:masterClrMapping/>
+  </p:clrMapOvr>
+</p:sld>
+</file>
+
+<file path=ppt/slides/slide13.xml><?xml version="1.0" encoding="utf-8"?>
+<p:sld xmlns:a="http://schemas.openxmlformats.org/drawingml/2006/main" xmlns:r="http://schemas.openxmlformats.org/officeDocument/2006/relationships" xmlns:p="http://schemas.openxmlformats.org/presentationml/2006/main" show="0">
+  <p:cSld>
+    <p:spTree>
+      <p:nvGrpSpPr>
+        <p:cNvPr id="1" name=""/>
+        <p:cNvGrpSpPr/>
+        <p:nvPr/>
+      </p:nvGrpSpPr>
+      <p:grpSpPr>
+        <a:xfrm>
+          <a:off x="0" y="0"/>
+          <a:ext cx="0" cy="0"/>
+          <a:chOff x="0" y="0"/>
+          <a:chExt cx="0" cy="0"/>
+        </a:xfrm>
+      </p:grpSpPr>
+      <p:sp>
+        <p:nvSpPr>
+          <p:cNvPr id="2" name="Title 1">
+            <a:extLst>
+              <a:ext uri="{FF2B5EF4-FFF2-40B4-BE49-F238E27FC236}">
+                <a16:creationId xmlns:a16="http://schemas.microsoft.com/office/drawing/2014/main" id="{01A644D8-9691-634A-9A30-BBF066227A00}"/>
+              </a:ext>
+            </a:extLst>
+          </p:cNvPr>
+          <p:cNvSpPr>
+            <a:spLocks noGrp="1"/>
+          </p:cNvSpPr>
+          <p:nvPr>
+            <p:ph type="title"/>
+          </p:nvPr>
+        </p:nvSpPr>
+        <p:spPr/>
+        <p:txBody>
+          <a:bodyPr>
+            <a:normAutofit/>
+          </a:bodyPr>
+          <a:lstStyle/>
+          <a:p>
+            <a:r>
+              <a:rPr lang="en-US" sz="4800" spc="-50" dirty="0"/>
+              <a:t>deaths per capita vs. uninsured population</a:t>
+            </a:r>
+          </a:p>
+        </p:txBody>
+      </p:sp>
+      <p:pic>
+        <p:nvPicPr>
+          <p:cNvPr id="6" name="Content Placeholder 5">
+            <a:extLst>
+              <a:ext uri="{FF2B5EF4-FFF2-40B4-BE49-F238E27FC236}">
+                <a16:creationId xmlns:a16="http://schemas.microsoft.com/office/drawing/2014/main" id="{35829E8F-5B70-6C45-9D25-4BEE662B8E95}"/>
+              </a:ext>
+            </a:extLst>
+          </p:cNvPr>
+          <p:cNvPicPr>
+            <a:picLocks noGrp="1" noChangeAspect="1"/>
+          </p:cNvPicPr>
+          <p:nvPr>
+            <p:ph sz="half" idx="1"/>
+          </p:nvPr>
+        </p:nvPicPr>
+        <p:blipFill>
+          <a:blip r:embed="rId3"/>
+          <a:srcRect/>
+          <a:stretch/>
+        </p:blipFill>
+        <p:spPr>
+          <a:xfrm>
+            <a:off x="1069975" y="2598208"/>
+            <a:ext cx="4754562" cy="3169708"/>
+          </a:xfrm>
+        </p:spPr>
+      </p:pic>
+      <p:pic>
+        <p:nvPicPr>
+          <p:cNvPr id="7" name="Content Placeholder 6">
+            <a:extLst>
+              <a:ext uri="{FF2B5EF4-FFF2-40B4-BE49-F238E27FC236}">
+                <a16:creationId xmlns:a16="http://schemas.microsoft.com/office/drawing/2014/main" id="{F55B25ED-BF94-FE48-AE6E-EA3BE69C2350}"/>
+              </a:ext>
+            </a:extLst>
+          </p:cNvPr>
+          <p:cNvPicPr>
+            <a:picLocks noGrp="1" noChangeAspect="1"/>
+          </p:cNvPicPr>
+          <p:nvPr>
+            <p:ph sz="half" idx="2"/>
+          </p:nvPr>
+        </p:nvPicPr>
+        <p:blipFill>
+          <a:blip r:embed="rId4"/>
+          <a:srcRect/>
+          <a:stretch/>
+        </p:blipFill>
+        <p:spPr>
+          <a:xfrm>
+            <a:off x="6369924" y="2654810"/>
+            <a:ext cx="4743288" cy="3056504"/>
+          </a:xfrm>
+        </p:spPr>
+      </p:pic>
+    </p:spTree>
+    <p:extLst>
+      <p:ext uri="{BB962C8B-B14F-4D97-AF65-F5344CB8AC3E}">
+        <p14:creationId xmlns:p14="http://schemas.microsoft.com/office/powerpoint/2010/main" val="2584618903"/>
+      </p:ext>
+    </p:extLst>
+  </p:cSld>
+  <p:clrMapOvr>
+    <a:masterClrMapping/>
+  </p:clrMapOvr>
+</p:sld>
+</file>
+
+<file path=ppt/slides/slide14.xml><?xml version="1.0" encoding="utf-8"?>
+<p:sld xmlns:a="http://schemas.openxmlformats.org/drawingml/2006/main" xmlns:r="http://schemas.openxmlformats.org/officeDocument/2006/relationships" xmlns:p="http://schemas.openxmlformats.org/presentationml/2006/main" show="0">
+  <p:cSld>
+    <p:spTree>
+      <p:nvGrpSpPr>
+        <p:cNvPr id="1" name=""/>
+        <p:cNvGrpSpPr/>
+        <p:nvPr/>
+      </p:nvGrpSpPr>
+      <p:grpSpPr>
+        <a:xfrm>
+          <a:off x="0" y="0"/>
+          <a:ext cx="0" cy="0"/>
+          <a:chOff x="0" y="0"/>
+          <a:chExt cx="0" cy="0"/>
+        </a:xfrm>
+      </p:grpSpPr>
+      <p:sp>
+        <p:nvSpPr>
+          <p:cNvPr id="2" name="Title 1">
+            <a:extLst>
+              <a:ext uri="{FF2B5EF4-FFF2-40B4-BE49-F238E27FC236}">
+                <a16:creationId xmlns:a16="http://schemas.microsoft.com/office/drawing/2014/main" id="{01A644D8-9691-634A-9A30-BBF066227A00}"/>
+              </a:ext>
+            </a:extLst>
+          </p:cNvPr>
+          <p:cNvSpPr>
+            <a:spLocks noGrp="1"/>
+          </p:cNvSpPr>
+          <p:nvPr>
+            <p:ph type="title"/>
+          </p:nvPr>
+        </p:nvSpPr>
+        <p:spPr/>
+        <p:txBody>
+          <a:bodyPr>
+            <a:normAutofit/>
+          </a:bodyPr>
+          <a:lstStyle/>
+          <a:p>
+            <a:r>
+              <a:rPr lang="en-US" sz="4800" dirty="0"/>
+              <a:t>Mortality rate vs. uninsured population</a:t>
+            </a:r>
+          </a:p>
+        </p:txBody>
+      </p:sp>
+      <p:pic>
+        <p:nvPicPr>
+          <p:cNvPr id="6" name="Content Placeholder 5">
+            <a:extLst>
+              <a:ext uri="{FF2B5EF4-FFF2-40B4-BE49-F238E27FC236}">
+                <a16:creationId xmlns:a16="http://schemas.microsoft.com/office/drawing/2014/main" id="{35829E8F-5B70-6C45-9D25-4BEE662B8E95}"/>
+              </a:ext>
+            </a:extLst>
+          </p:cNvPr>
+          <p:cNvPicPr>
+            <a:picLocks noGrp="1" noChangeAspect="1"/>
+          </p:cNvPicPr>
+          <p:nvPr>
+            <p:ph sz="half" idx="1"/>
+          </p:nvPr>
+        </p:nvPicPr>
+        <p:blipFill>
+          <a:blip r:embed="rId2"/>
+          <a:srcRect/>
+          <a:stretch/>
+        </p:blipFill>
+        <p:spPr>
+          <a:xfrm>
+            <a:off x="1069975" y="2598208"/>
+            <a:ext cx="4754562" cy="3169708"/>
+          </a:xfrm>
+        </p:spPr>
+      </p:pic>
+      <p:pic>
+        <p:nvPicPr>
+          <p:cNvPr id="7" name="Content Placeholder 6">
+            <a:extLst>
+              <a:ext uri="{FF2B5EF4-FFF2-40B4-BE49-F238E27FC236}">
+                <a16:creationId xmlns:a16="http://schemas.microsoft.com/office/drawing/2014/main" id="{F55B25ED-BF94-FE48-AE6E-EA3BE69C2350}"/>
+              </a:ext>
+            </a:extLst>
+          </p:cNvPr>
+          <p:cNvPicPr>
+            <a:picLocks noGrp="1" noChangeAspect="1"/>
+          </p:cNvPicPr>
+          <p:nvPr>
+            <p:ph sz="half" idx="2"/>
+          </p:nvPr>
+        </p:nvPicPr>
+        <p:blipFill>
+          <a:blip r:embed="rId3"/>
+          <a:srcRect/>
+          <a:stretch/>
+        </p:blipFill>
+        <p:spPr>
+          <a:xfrm>
+            <a:off x="6369924" y="2654810"/>
+            <a:ext cx="4743288" cy="3056504"/>
+          </a:xfrm>
+        </p:spPr>
+      </p:pic>
+    </p:spTree>
+    <p:extLst>
+      <p:ext uri="{BB962C8B-B14F-4D97-AF65-F5344CB8AC3E}">
+        <p14:creationId xmlns:p14="http://schemas.microsoft.com/office/powerpoint/2010/main" val="3229474659"/>
+      </p:ext>
+    </p:extLst>
+  </p:cSld>
+  <p:clrMapOvr>
+    <a:masterClrMapping/>
+  </p:clrMapOvr>
+</p:sld>
+</file>
+
+<file path=ppt/slides/slide15.xml><?xml version="1.0" encoding="utf-8"?>
+<p:sld xmlns:a="http://schemas.openxmlformats.org/drawingml/2006/main" xmlns:r="http://schemas.openxmlformats.org/officeDocument/2006/relationships" xmlns:p="http://schemas.openxmlformats.org/presentationml/2006/main" show="0">
+  <p:cSld>
+    <p:spTree>
+      <p:nvGrpSpPr>
+        <p:cNvPr id="1" name=""/>
+        <p:cNvGrpSpPr/>
+        <p:nvPr/>
+      </p:nvGrpSpPr>
+      <p:grpSpPr>
+        <a:xfrm>
+          <a:off x="0" y="0"/>
+          <a:ext cx="0" cy="0"/>
+          <a:chOff x="0" y="0"/>
+          <a:chExt cx="0" cy="0"/>
+        </a:xfrm>
+      </p:grpSpPr>
+      <p:sp>
+        <p:nvSpPr>
+          <p:cNvPr id="2" name="Title 1">
+            <a:extLst>
+              <a:ext uri="{FF2B5EF4-FFF2-40B4-BE49-F238E27FC236}">
+                <a16:creationId xmlns:a16="http://schemas.microsoft.com/office/drawing/2014/main" id="{01A644D8-9691-634A-9A30-BBF066227A00}"/>
+              </a:ext>
+            </a:extLst>
+          </p:cNvPr>
+          <p:cNvSpPr>
+            <a:spLocks noGrp="1"/>
+          </p:cNvSpPr>
+          <p:nvPr>
+            <p:ph type="title"/>
+          </p:nvPr>
+        </p:nvSpPr>
+        <p:spPr/>
+        <p:txBody>
+          <a:bodyPr>
+            <a:normAutofit/>
+          </a:bodyPr>
+          <a:lstStyle/>
+          <a:p>
+            <a:r>
+              <a:rPr lang="en-US" sz="4800" spc="-100" dirty="0"/>
+              <a:t>deaths per capita vs. pop. Below poverty line</a:t>
+            </a:r>
+          </a:p>
+        </p:txBody>
+      </p:sp>
+      <p:pic>
+        <p:nvPicPr>
+          <p:cNvPr id="6" name="Content Placeholder 5">
+            <a:extLst>
+              <a:ext uri="{FF2B5EF4-FFF2-40B4-BE49-F238E27FC236}">
+                <a16:creationId xmlns:a16="http://schemas.microsoft.com/office/drawing/2014/main" id="{35829E8F-5B70-6C45-9D25-4BEE662B8E95}"/>
+              </a:ext>
+            </a:extLst>
+          </p:cNvPr>
+          <p:cNvPicPr>
+            <a:picLocks noGrp="1" noChangeAspect="1"/>
+          </p:cNvPicPr>
+          <p:nvPr>
+            <p:ph sz="half" idx="1"/>
+          </p:nvPr>
+        </p:nvPicPr>
+        <p:blipFill>
+          <a:blip r:embed="rId2"/>
+          <a:srcRect/>
+          <a:stretch/>
+        </p:blipFill>
+        <p:spPr>
+          <a:xfrm>
+            <a:off x="1069975" y="2598208"/>
+            <a:ext cx="4754562" cy="3169708"/>
+          </a:xfrm>
+        </p:spPr>
+      </p:pic>
+      <p:pic>
+        <p:nvPicPr>
+          <p:cNvPr id="7" name="Content Placeholder 6">
+            <a:extLst>
+              <a:ext uri="{FF2B5EF4-FFF2-40B4-BE49-F238E27FC236}">
+                <a16:creationId xmlns:a16="http://schemas.microsoft.com/office/drawing/2014/main" id="{F55B25ED-BF94-FE48-AE6E-EA3BE69C2350}"/>
+              </a:ext>
+            </a:extLst>
+          </p:cNvPr>
+          <p:cNvPicPr>
+            <a:picLocks noGrp="1" noChangeAspect="1"/>
+          </p:cNvPicPr>
+          <p:nvPr>
+            <p:ph sz="half" idx="2"/>
+          </p:nvPr>
+        </p:nvPicPr>
+        <p:blipFill>
+          <a:blip r:embed="rId3"/>
+          <a:srcRect/>
+          <a:stretch/>
+        </p:blipFill>
+        <p:spPr>
+          <a:xfrm>
+            <a:off x="6364288" y="2654810"/>
+            <a:ext cx="4754561" cy="3056504"/>
+          </a:xfrm>
+        </p:spPr>
+      </p:pic>
+    </p:spTree>
+    <p:extLst>
+      <p:ext uri="{BB962C8B-B14F-4D97-AF65-F5344CB8AC3E}">
+        <p14:creationId xmlns:p14="http://schemas.microsoft.com/office/powerpoint/2010/main" val="874110007"/>
+      </p:ext>
+    </p:extLst>
+  </p:cSld>
+  <p:clrMapOvr>
+    <a:masterClrMapping/>
+  </p:clrMapOvr>
+</p:sld>
+</file>
+
+<file path=ppt/slides/slide16.xml><?xml version="1.0" encoding="utf-8"?>
+<p:sld xmlns:a="http://schemas.openxmlformats.org/drawingml/2006/main" xmlns:r="http://schemas.openxmlformats.org/officeDocument/2006/relationships" xmlns:p="http://schemas.openxmlformats.org/presentationml/2006/main" show="0">
+  <p:cSld>
+    <p:spTree>
+      <p:nvGrpSpPr>
+        <p:cNvPr id="1" name=""/>
+        <p:cNvGrpSpPr/>
+        <p:nvPr/>
+      </p:nvGrpSpPr>
+      <p:grpSpPr>
+        <a:xfrm>
+          <a:off x="0" y="0"/>
+          <a:ext cx="0" cy="0"/>
+          <a:chOff x="0" y="0"/>
+          <a:chExt cx="0" cy="0"/>
+        </a:xfrm>
+      </p:grpSpPr>
+      <p:sp>
+        <p:nvSpPr>
+          <p:cNvPr id="2" name="Title 1">
+            <a:extLst>
+              <a:ext uri="{FF2B5EF4-FFF2-40B4-BE49-F238E27FC236}">
                 <a16:creationId xmlns:a16="http://schemas.microsoft.com/office/drawing/2014/main" id="{01A644D8-9691-634A-9A30-BBF066227A00}"/>
               </a:ext>
             </a:extLst>
@@ -5574,124 +6742,8 @@
 </p:sld>
 </file>
 
-<file path=ppt/slides/slide11.xml><?xml version="1.0" encoding="utf-8"?>
-<p:sld xmlns:a="http://schemas.openxmlformats.org/drawingml/2006/main" xmlns:r="http://schemas.openxmlformats.org/officeDocument/2006/relationships" xmlns:p="http://schemas.openxmlformats.org/presentationml/2006/main">
-  <p:cSld>
-    <p:spTree>
-      <p:nvGrpSpPr>
-        <p:cNvPr id="1" name=""/>
-        <p:cNvGrpSpPr/>
-        <p:nvPr/>
-      </p:nvGrpSpPr>
-      <p:grpSpPr>
-        <a:xfrm>
-          <a:off x="0" y="0"/>
-          <a:ext cx="0" cy="0"/>
-          <a:chOff x="0" y="0"/>
-          <a:chExt cx="0" cy="0"/>
-        </a:xfrm>
-      </p:grpSpPr>
-      <p:sp>
-        <p:nvSpPr>
-          <p:cNvPr id="2" name="Title 1">
-            <a:extLst>
-              <a:ext uri="{FF2B5EF4-FFF2-40B4-BE49-F238E27FC236}">
-                <a16:creationId xmlns:a16="http://schemas.microsoft.com/office/drawing/2014/main" id="{01A644D8-9691-634A-9A30-BBF066227A00}"/>
-              </a:ext>
-            </a:extLst>
-          </p:cNvPr>
-          <p:cNvSpPr>
-            <a:spLocks noGrp="1"/>
-          </p:cNvSpPr>
-          <p:nvPr>
-            <p:ph type="title"/>
-          </p:nvPr>
-        </p:nvSpPr>
-        <p:spPr/>
-        <p:txBody>
-          <a:bodyPr>
-            <a:normAutofit/>
-          </a:bodyPr>
-          <a:lstStyle/>
-          <a:p>
-            <a:r>
-              <a:rPr lang="en-US" sz="4800" dirty="0"/>
-              <a:t>Cases per capita vs. Population age 65+</a:t>
-            </a:r>
-          </a:p>
-        </p:txBody>
-      </p:sp>
-      <p:pic>
-        <p:nvPicPr>
-          <p:cNvPr id="6" name="Content Placeholder 5">
-            <a:extLst>
-              <a:ext uri="{FF2B5EF4-FFF2-40B4-BE49-F238E27FC236}">
-                <a16:creationId xmlns:a16="http://schemas.microsoft.com/office/drawing/2014/main" id="{35829E8F-5B70-6C45-9D25-4BEE662B8E95}"/>
-              </a:ext>
-            </a:extLst>
-          </p:cNvPr>
-          <p:cNvPicPr>
-            <a:picLocks noGrp="1" noChangeAspect="1"/>
-          </p:cNvPicPr>
-          <p:nvPr>
-            <p:ph sz="half" idx="1"/>
-          </p:nvPr>
-        </p:nvPicPr>
-        <p:blipFill>
-          <a:blip r:embed="rId3"/>
-          <a:srcRect/>
-          <a:stretch/>
-        </p:blipFill>
-        <p:spPr>
-          <a:xfrm>
-            <a:off x="1069975" y="2598208"/>
-            <a:ext cx="4754562" cy="3169708"/>
-          </a:xfrm>
-        </p:spPr>
-      </p:pic>
-      <p:pic>
-        <p:nvPicPr>
-          <p:cNvPr id="10" name="Content Placeholder 9">
-            <a:extLst>
-              <a:ext uri="{FF2B5EF4-FFF2-40B4-BE49-F238E27FC236}">
-                <a16:creationId xmlns:a16="http://schemas.microsoft.com/office/drawing/2014/main" id="{E0130CD1-8665-C147-882B-EE0B0FB4040E}"/>
-              </a:ext>
-            </a:extLst>
-          </p:cNvPr>
-          <p:cNvPicPr>
-            <a:picLocks noGrp="1" noChangeAspect="1"/>
-          </p:cNvPicPr>
-          <p:nvPr>
-            <p:ph sz="half" idx="2"/>
-          </p:nvPr>
-        </p:nvPicPr>
-        <p:blipFill>
-          <a:blip r:embed="rId4"/>
-          <a:srcRect/>
-          <a:stretch/>
-        </p:blipFill>
-        <p:spPr>
-          <a:xfrm>
-            <a:off x="6364288" y="2654810"/>
-            <a:ext cx="4754561" cy="3056503"/>
-          </a:xfrm>
-        </p:spPr>
-      </p:pic>
-    </p:spTree>
-    <p:extLst>
-      <p:ext uri="{BB962C8B-B14F-4D97-AF65-F5344CB8AC3E}">
-        <p14:creationId xmlns:p14="http://schemas.microsoft.com/office/powerpoint/2010/main" val="1306913722"/>
-      </p:ext>
-    </p:extLst>
-  </p:cSld>
-  <p:clrMapOvr>
-    <a:masterClrMapping/>
-  </p:clrMapOvr>
-</p:sld>
-</file>
-
-<file path=ppt/slides/slide12.xml><?xml version="1.0" encoding="utf-8"?>
-<p:sld xmlns:a="http://schemas.openxmlformats.org/drawingml/2006/main" xmlns:r="http://schemas.openxmlformats.org/officeDocument/2006/relationships" xmlns:p="http://schemas.openxmlformats.org/presentationml/2006/main">
+<file path=ppt/slides/slide17.xml><?xml version="1.0" encoding="utf-8"?>
+<p:sld xmlns:a="http://schemas.openxmlformats.org/drawingml/2006/main" xmlns:r="http://schemas.openxmlformats.org/officeDocument/2006/relationships" xmlns:p="http://schemas.openxmlformats.org/presentationml/2006/main" show="0">
   <p:cSld>
     <p:spTree>
       <p:nvGrpSpPr>
@@ -5806,8 +6858,8 @@
 </p:sld>
 </file>
 
-<file path=ppt/slides/slide13.xml><?xml version="1.0" encoding="utf-8"?>
-<p:sld xmlns:a="http://schemas.openxmlformats.org/drawingml/2006/main" xmlns:r="http://schemas.openxmlformats.org/officeDocument/2006/relationships" xmlns:p="http://schemas.openxmlformats.org/presentationml/2006/main">
+<file path=ppt/slides/slide18.xml><?xml version="1.0" encoding="utf-8"?>
+<p:sld xmlns:a="http://schemas.openxmlformats.org/drawingml/2006/main" xmlns:r="http://schemas.openxmlformats.org/officeDocument/2006/relationships" xmlns:p="http://schemas.openxmlformats.org/presentationml/2006/main" show="0">
   <p:cSld>
     <p:spTree>
       <p:nvGrpSpPr>
@@ -5922,124 +6974,8 @@
 </p:sld>
 </file>
 
-<file path=ppt/slides/slide14.xml><?xml version="1.0" encoding="utf-8"?>
-<p:sld xmlns:a="http://schemas.openxmlformats.org/drawingml/2006/main" xmlns:r="http://schemas.openxmlformats.org/officeDocument/2006/relationships" xmlns:p="http://schemas.openxmlformats.org/presentationml/2006/main">
-  <p:cSld>
-    <p:spTree>
-      <p:nvGrpSpPr>
-        <p:cNvPr id="1" name=""/>
-        <p:cNvGrpSpPr/>
-        <p:nvPr/>
-      </p:nvGrpSpPr>
-      <p:grpSpPr>
-        <a:xfrm>
-          <a:off x="0" y="0"/>
-          <a:ext cx="0" cy="0"/>
-          <a:chOff x="0" y="0"/>
-          <a:chExt cx="0" cy="0"/>
-        </a:xfrm>
-      </p:grpSpPr>
-      <p:sp>
-        <p:nvSpPr>
-          <p:cNvPr id="2" name="Title 1">
-            <a:extLst>
-              <a:ext uri="{FF2B5EF4-FFF2-40B4-BE49-F238E27FC236}">
-                <a16:creationId xmlns:a16="http://schemas.microsoft.com/office/drawing/2014/main" id="{01A644D8-9691-634A-9A30-BBF066227A00}"/>
-              </a:ext>
-            </a:extLst>
-          </p:cNvPr>
-          <p:cNvSpPr>
-            <a:spLocks noGrp="1"/>
-          </p:cNvSpPr>
-          <p:nvPr>
-            <p:ph type="title"/>
-          </p:nvPr>
-        </p:nvSpPr>
-        <p:spPr/>
-        <p:txBody>
-          <a:bodyPr>
-            <a:normAutofit/>
-          </a:bodyPr>
-          <a:lstStyle/>
-          <a:p>
-            <a:r>
-              <a:rPr lang="en-US" sz="4800" dirty="0"/>
-              <a:t>Cases per capita vs. population density</a:t>
-            </a:r>
-          </a:p>
-        </p:txBody>
-      </p:sp>
-      <p:pic>
-        <p:nvPicPr>
-          <p:cNvPr id="6" name="Content Placeholder 5">
-            <a:extLst>
-              <a:ext uri="{FF2B5EF4-FFF2-40B4-BE49-F238E27FC236}">
-                <a16:creationId xmlns:a16="http://schemas.microsoft.com/office/drawing/2014/main" id="{35829E8F-5B70-6C45-9D25-4BEE662B8E95}"/>
-              </a:ext>
-            </a:extLst>
-          </p:cNvPr>
-          <p:cNvPicPr>
-            <a:picLocks noGrp="1" noChangeAspect="1"/>
-          </p:cNvPicPr>
-          <p:nvPr>
-            <p:ph sz="half" idx="1"/>
-          </p:nvPr>
-        </p:nvPicPr>
-        <p:blipFill>
-          <a:blip r:embed="rId2"/>
-          <a:srcRect/>
-          <a:stretch/>
-        </p:blipFill>
-        <p:spPr>
-          <a:xfrm>
-            <a:off x="1069975" y="2598208"/>
-            <a:ext cx="4754562" cy="3169708"/>
-          </a:xfrm>
-        </p:spPr>
-      </p:pic>
-      <p:pic>
-        <p:nvPicPr>
-          <p:cNvPr id="10" name="Content Placeholder 9">
-            <a:extLst>
-              <a:ext uri="{FF2B5EF4-FFF2-40B4-BE49-F238E27FC236}">
-                <a16:creationId xmlns:a16="http://schemas.microsoft.com/office/drawing/2014/main" id="{E0130CD1-8665-C147-882B-EE0B0FB4040E}"/>
-              </a:ext>
-            </a:extLst>
-          </p:cNvPr>
-          <p:cNvPicPr>
-            <a:picLocks noGrp="1" noChangeAspect="1"/>
-          </p:cNvPicPr>
-          <p:nvPr>
-            <p:ph sz="half" idx="2"/>
-          </p:nvPr>
-        </p:nvPicPr>
-        <p:blipFill>
-          <a:blip r:embed="rId3"/>
-          <a:srcRect/>
-          <a:stretch/>
-        </p:blipFill>
-        <p:spPr>
-          <a:xfrm>
-            <a:off x="6364288" y="2654810"/>
-            <a:ext cx="4754561" cy="3056503"/>
-          </a:xfrm>
-        </p:spPr>
-      </p:pic>
-    </p:spTree>
-    <p:extLst>
-      <p:ext uri="{BB962C8B-B14F-4D97-AF65-F5344CB8AC3E}">
-        <p14:creationId xmlns:p14="http://schemas.microsoft.com/office/powerpoint/2010/main" val="2731235243"/>
-      </p:ext>
-    </p:extLst>
-  </p:cSld>
-  <p:clrMapOvr>
-    <a:masterClrMapping/>
-  </p:clrMapOvr>
-</p:sld>
-</file>
-
-<file path=ppt/slides/slide15.xml><?xml version="1.0" encoding="utf-8"?>
-<p:sld xmlns:a="http://schemas.openxmlformats.org/drawingml/2006/main" xmlns:r="http://schemas.openxmlformats.org/officeDocument/2006/relationships" xmlns:p="http://schemas.openxmlformats.org/presentationml/2006/main">
+<file path=ppt/slides/slide19.xml><?xml version="1.0" encoding="utf-8"?>
+<p:sld xmlns:a="http://schemas.openxmlformats.org/drawingml/2006/main" xmlns:r="http://schemas.openxmlformats.org/officeDocument/2006/relationships" xmlns:p="http://schemas.openxmlformats.org/presentationml/2006/main" show="0">
   <p:cSld>
     <p:spTree>
       <p:nvGrpSpPr>
@@ -6154,470 +7090,6 @@
 </p:sld>
 </file>
 
-<file path=ppt/slides/slide16.xml><?xml version="1.0" encoding="utf-8"?>
-<p:sld xmlns:a="http://schemas.openxmlformats.org/drawingml/2006/main" xmlns:r="http://schemas.openxmlformats.org/officeDocument/2006/relationships" xmlns:p="http://schemas.openxmlformats.org/presentationml/2006/main">
-  <p:cSld>
-    <p:spTree>
-      <p:nvGrpSpPr>
-        <p:cNvPr id="1" name=""/>
-        <p:cNvGrpSpPr/>
-        <p:nvPr/>
-      </p:nvGrpSpPr>
-      <p:grpSpPr>
-        <a:xfrm>
-          <a:off x="0" y="0"/>
-          <a:ext cx="0" cy="0"/>
-          <a:chOff x="0" y="0"/>
-          <a:chExt cx="0" cy="0"/>
-        </a:xfrm>
-      </p:grpSpPr>
-      <p:sp>
-        <p:nvSpPr>
-          <p:cNvPr id="2" name="Title 1">
-            <a:extLst>
-              <a:ext uri="{FF2B5EF4-FFF2-40B4-BE49-F238E27FC236}">
-                <a16:creationId xmlns:a16="http://schemas.microsoft.com/office/drawing/2014/main" id="{01A644D8-9691-634A-9A30-BBF066227A00}"/>
-              </a:ext>
-            </a:extLst>
-          </p:cNvPr>
-          <p:cNvSpPr>
-            <a:spLocks noGrp="1"/>
-          </p:cNvSpPr>
-          <p:nvPr>
-            <p:ph type="title"/>
-          </p:nvPr>
-        </p:nvSpPr>
-        <p:spPr/>
-        <p:txBody>
-          <a:bodyPr>
-            <a:normAutofit/>
-          </a:bodyPr>
-          <a:lstStyle/>
-          <a:p>
-            <a:r>
-              <a:rPr lang="en-US" sz="4800" dirty="0"/>
-              <a:t>Mortality rate vs. population density</a:t>
-            </a:r>
-          </a:p>
-        </p:txBody>
-      </p:sp>
-      <p:pic>
-        <p:nvPicPr>
-          <p:cNvPr id="6" name="Content Placeholder 5">
-            <a:extLst>
-              <a:ext uri="{FF2B5EF4-FFF2-40B4-BE49-F238E27FC236}">
-                <a16:creationId xmlns:a16="http://schemas.microsoft.com/office/drawing/2014/main" id="{35829E8F-5B70-6C45-9D25-4BEE662B8E95}"/>
-              </a:ext>
-            </a:extLst>
-          </p:cNvPr>
-          <p:cNvPicPr>
-            <a:picLocks noGrp="1" noChangeAspect="1"/>
-          </p:cNvPicPr>
-          <p:nvPr>
-            <p:ph sz="half" idx="1"/>
-          </p:nvPr>
-        </p:nvPicPr>
-        <p:blipFill>
-          <a:blip r:embed="rId3"/>
-          <a:srcRect/>
-          <a:stretch/>
-        </p:blipFill>
-        <p:spPr>
-          <a:xfrm>
-            <a:off x="1069975" y="2598208"/>
-            <a:ext cx="4754562" cy="3169708"/>
-          </a:xfrm>
-        </p:spPr>
-      </p:pic>
-      <p:pic>
-        <p:nvPicPr>
-          <p:cNvPr id="7" name="Content Placeholder 6">
-            <a:extLst>
-              <a:ext uri="{FF2B5EF4-FFF2-40B4-BE49-F238E27FC236}">
-                <a16:creationId xmlns:a16="http://schemas.microsoft.com/office/drawing/2014/main" id="{F55B25ED-BF94-FE48-AE6E-EA3BE69C2350}"/>
-              </a:ext>
-            </a:extLst>
-          </p:cNvPr>
-          <p:cNvPicPr>
-            <a:picLocks noGrp="1" noChangeAspect="1"/>
-          </p:cNvPicPr>
-          <p:nvPr>
-            <p:ph sz="half" idx="2"/>
-          </p:nvPr>
-        </p:nvPicPr>
-        <p:blipFill>
-          <a:blip r:embed="rId4"/>
-          <a:srcRect/>
-          <a:stretch/>
-        </p:blipFill>
-        <p:spPr>
-          <a:xfrm>
-            <a:off x="6364288" y="2654810"/>
-            <a:ext cx="4754561" cy="3056504"/>
-          </a:xfrm>
-        </p:spPr>
-      </p:pic>
-    </p:spTree>
-    <p:extLst>
-      <p:ext uri="{BB962C8B-B14F-4D97-AF65-F5344CB8AC3E}">
-        <p14:creationId xmlns:p14="http://schemas.microsoft.com/office/powerpoint/2010/main" val="273634984"/>
-      </p:ext>
-    </p:extLst>
-  </p:cSld>
-  <p:clrMapOvr>
-    <a:masterClrMapping/>
-  </p:clrMapOvr>
-</p:sld>
-</file>
-
-<file path=ppt/slides/slide17.xml><?xml version="1.0" encoding="utf-8"?>
-<p:sld xmlns:a="http://schemas.openxmlformats.org/drawingml/2006/main" xmlns:r="http://schemas.openxmlformats.org/officeDocument/2006/relationships" xmlns:p="http://schemas.openxmlformats.org/presentationml/2006/main">
-  <p:cSld>
-    <p:spTree>
-      <p:nvGrpSpPr>
-        <p:cNvPr id="1" name=""/>
-        <p:cNvGrpSpPr/>
-        <p:nvPr/>
-      </p:nvGrpSpPr>
-      <p:grpSpPr>
-        <a:xfrm>
-          <a:off x="0" y="0"/>
-          <a:ext cx="0" cy="0"/>
-          <a:chOff x="0" y="0"/>
-          <a:chExt cx="0" cy="0"/>
-        </a:xfrm>
-      </p:grpSpPr>
-      <p:sp>
-        <p:nvSpPr>
-          <p:cNvPr id="2" name="Title 1">
-            <a:extLst>
-              <a:ext uri="{FF2B5EF4-FFF2-40B4-BE49-F238E27FC236}">
-                <a16:creationId xmlns:a16="http://schemas.microsoft.com/office/drawing/2014/main" id="{01A644D8-9691-634A-9A30-BBF066227A00}"/>
-              </a:ext>
-            </a:extLst>
-          </p:cNvPr>
-          <p:cNvSpPr>
-            <a:spLocks noGrp="1"/>
-          </p:cNvSpPr>
-          <p:nvPr>
-            <p:ph type="title"/>
-          </p:nvPr>
-        </p:nvSpPr>
-        <p:spPr/>
-        <p:txBody>
-          <a:bodyPr>
-            <a:normAutofit/>
-          </a:bodyPr>
-          <a:lstStyle/>
-          <a:p>
-            <a:r>
-              <a:rPr lang="en-US" sz="4800" dirty="0"/>
-              <a:t>Cases per capita vs. uninsured population</a:t>
-            </a:r>
-          </a:p>
-        </p:txBody>
-      </p:sp>
-      <p:pic>
-        <p:nvPicPr>
-          <p:cNvPr id="6" name="Content Placeholder 5">
-            <a:extLst>
-              <a:ext uri="{FF2B5EF4-FFF2-40B4-BE49-F238E27FC236}">
-                <a16:creationId xmlns:a16="http://schemas.microsoft.com/office/drawing/2014/main" id="{35829E8F-5B70-6C45-9D25-4BEE662B8E95}"/>
-              </a:ext>
-            </a:extLst>
-          </p:cNvPr>
-          <p:cNvPicPr>
-            <a:picLocks noGrp="1" noChangeAspect="1"/>
-          </p:cNvPicPr>
-          <p:nvPr>
-            <p:ph sz="half" idx="1"/>
-          </p:nvPr>
-        </p:nvPicPr>
-        <p:blipFill>
-          <a:blip r:embed="rId3"/>
-          <a:srcRect/>
-          <a:stretch/>
-        </p:blipFill>
-        <p:spPr>
-          <a:xfrm>
-            <a:off x="1069975" y="2598208"/>
-            <a:ext cx="4754562" cy="3169708"/>
-          </a:xfrm>
-        </p:spPr>
-      </p:pic>
-      <p:pic>
-        <p:nvPicPr>
-          <p:cNvPr id="10" name="Content Placeholder 9">
-            <a:extLst>
-              <a:ext uri="{FF2B5EF4-FFF2-40B4-BE49-F238E27FC236}">
-                <a16:creationId xmlns:a16="http://schemas.microsoft.com/office/drawing/2014/main" id="{E0130CD1-8665-C147-882B-EE0B0FB4040E}"/>
-              </a:ext>
-            </a:extLst>
-          </p:cNvPr>
-          <p:cNvPicPr>
-            <a:picLocks noGrp="1" noChangeAspect="1"/>
-          </p:cNvPicPr>
-          <p:nvPr>
-            <p:ph sz="half" idx="2"/>
-          </p:nvPr>
-        </p:nvPicPr>
-        <p:blipFill>
-          <a:blip r:embed="rId4"/>
-          <a:srcRect/>
-          <a:stretch/>
-        </p:blipFill>
-        <p:spPr>
-          <a:xfrm>
-            <a:off x="6364288" y="2654810"/>
-            <a:ext cx="4754560" cy="3056503"/>
-          </a:xfrm>
-        </p:spPr>
-      </p:pic>
-    </p:spTree>
-    <p:extLst>
-      <p:ext uri="{BB962C8B-B14F-4D97-AF65-F5344CB8AC3E}">
-        <p14:creationId xmlns:p14="http://schemas.microsoft.com/office/powerpoint/2010/main" val="3842684722"/>
-      </p:ext>
-    </p:extLst>
-  </p:cSld>
-  <p:clrMapOvr>
-    <a:masterClrMapping/>
-  </p:clrMapOvr>
-</p:sld>
-</file>
-
-<file path=ppt/slides/slide18.xml><?xml version="1.0" encoding="utf-8"?>
-<p:sld xmlns:a="http://schemas.openxmlformats.org/drawingml/2006/main" xmlns:r="http://schemas.openxmlformats.org/officeDocument/2006/relationships" xmlns:p="http://schemas.openxmlformats.org/presentationml/2006/main">
-  <p:cSld>
-    <p:spTree>
-      <p:nvGrpSpPr>
-        <p:cNvPr id="1" name=""/>
-        <p:cNvGrpSpPr/>
-        <p:nvPr/>
-      </p:nvGrpSpPr>
-      <p:grpSpPr>
-        <a:xfrm>
-          <a:off x="0" y="0"/>
-          <a:ext cx="0" cy="0"/>
-          <a:chOff x="0" y="0"/>
-          <a:chExt cx="0" cy="0"/>
-        </a:xfrm>
-      </p:grpSpPr>
-      <p:sp>
-        <p:nvSpPr>
-          <p:cNvPr id="2" name="Title 1">
-            <a:extLst>
-              <a:ext uri="{FF2B5EF4-FFF2-40B4-BE49-F238E27FC236}">
-                <a16:creationId xmlns:a16="http://schemas.microsoft.com/office/drawing/2014/main" id="{01A644D8-9691-634A-9A30-BBF066227A00}"/>
-              </a:ext>
-            </a:extLst>
-          </p:cNvPr>
-          <p:cNvSpPr>
-            <a:spLocks noGrp="1"/>
-          </p:cNvSpPr>
-          <p:nvPr>
-            <p:ph type="title"/>
-          </p:nvPr>
-        </p:nvSpPr>
-        <p:spPr/>
-        <p:txBody>
-          <a:bodyPr>
-            <a:normAutofit/>
-          </a:bodyPr>
-          <a:lstStyle/>
-          <a:p>
-            <a:r>
-              <a:rPr lang="en-US" sz="4800" spc="-50" dirty="0"/>
-              <a:t>deaths per capita vs. uninsured population</a:t>
-            </a:r>
-          </a:p>
-        </p:txBody>
-      </p:sp>
-      <p:pic>
-        <p:nvPicPr>
-          <p:cNvPr id="6" name="Content Placeholder 5">
-            <a:extLst>
-              <a:ext uri="{FF2B5EF4-FFF2-40B4-BE49-F238E27FC236}">
-                <a16:creationId xmlns:a16="http://schemas.microsoft.com/office/drawing/2014/main" id="{35829E8F-5B70-6C45-9D25-4BEE662B8E95}"/>
-              </a:ext>
-            </a:extLst>
-          </p:cNvPr>
-          <p:cNvPicPr>
-            <a:picLocks noGrp="1" noChangeAspect="1"/>
-          </p:cNvPicPr>
-          <p:nvPr>
-            <p:ph sz="half" idx="1"/>
-          </p:nvPr>
-        </p:nvPicPr>
-        <p:blipFill>
-          <a:blip r:embed="rId3"/>
-          <a:srcRect/>
-          <a:stretch/>
-        </p:blipFill>
-        <p:spPr>
-          <a:xfrm>
-            <a:off x="1069975" y="2598208"/>
-            <a:ext cx="4754562" cy="3169708"/>
-          </a:xfrm>
-        </p:spPr>
-      </p:pic>
-      <p:pic>
-        <p:nvPicPr>
-          <p:cNvPr id="7" name="Content Placeholder 6">
-            <a:extLst>
-              <a:ext uri="{FF2B5EF4-FFF2-40B4-BE49-F238E27FC236}">
-                <a16:creationId xmlns:a16="http://schemas.microsoft.com/office/drawing/2014/main" id="{F55B25ED-BF94-FE48-AE6E-EA3BE69C2350}"/>
-              </a:ext>
-            </a:extLst>
-          </p:cNvPr>
-          <p:cNvPicPr>
-            <a:picLocks noGrp="1" noChangeAspect="1"/>
-          </p:cNvPicPr>
-          <p:nvPr>
-            <p:ph sz="half" idx="2"/>
-          </p:nvPr>
-        </p:nvPicPr>
-        <p:blipFill>
-          <a:blip r:embed="rId4"/>
-          <a:srcRect/>
-          <a:stretch/>
-        </p:blipFill>
-        <p:spPr>
-          <a:xfrm>
-            <a:off x="6369924" y="2654810"/>
-            <a:ext cx="4743288" cy="3056504"/>
-          </a:xfrm>
-        </p:spPr>
-      </p:pic>
-    </p:spTree>
-    <p:extLst>
-      <p:ext uri="{BB962C8B-B14F-4D97-AF65-F5344CB8AC3E}">
-        <p14:creationId xmlns:p14="http://schemas.microsoft.com/office/powerpoint/2010/main" val="2584618903"/>
-      </p:ext>
-    </p:extLst>
-  </p:cSld>
-  <p:clrMapOvr>
-    <a:masterClrMapping/>
-  </p:clrMapOvr>
-</p:sld>
-</file>
-
-<file path=ppt/slides/slide19.xml><?xml version="1.0" encoding="utf-8"?>
-<p:sld xmlns:a="http://schemas.openxmlformats.org/drawingml/2006/main" xmlns:r="http://schemas.openxmlformats.org/officeDocument/2006/relationships" xmlns:p="http://schemas.openxmlformats.org/presentationml/2006/main">
-  <p:cSld>
-    <p:spTree>
-      <p:nvGrpSpPr>
-        <p:cNvPr id="1" name=""/>
-        <p:cNvGrpSpPr/>
-        <p:nvPr/>
-      </p:nvGrpSpPr>
-      <p:grpSpPr>
-        <a:xfrm>
-          <a:off x="0" y="0"/>
-          <a:ext cx="0" cy="0"/>
-          <a:chOff x="0" y="0"/>
-          <a:chExt cx="0" cy="0"/>
-        </a:xfrm>
-      </p:grpSpPr>
-      <p:sp>
-        <p:nvSpPr>
-          <p:cNvPr id="2" name="Title 1">
-            <a:extLst>
-              <a:ext uri="{FF2B5EF4-FFF2-40B4-BE49-F238E27FC236}">
-                <a16:creationId xmlns:a16="http://schemas.microsoft.com/office/drawing/2014/main" id="{01A644D8-9691-634A-9A30-BBF066227A00}"/>
-              </a:ext>
-            </a:extLst>
-          </p:cNvPr>
-          <p:cNvSpPr>
-            <a:spLocks noGrp="1"/>
-          </p:cNvSpPr>
-          <p:nvPr>
-            <p:ph type="title"/>
-          </p:nvPr>
-        </p:nvSpPr>
-        <p:spPr/>
-        <p:txBody>
-          <a:bodyPr>
-            <a:normAutofit/>
-          </a:bodyPr>
-          <a:lstStyle/>
-          <a:p>
-            <a:r>
-              <a:rPr lang="en-US" sz="4800" dirty="0"/>
-              <a:t>Mortality rate vs. uninsured population</a:t>
-            </a:r>
-          </a:p>
-        </p:txBody>
-      </p:sp>
-      <p:pic>
-        <p:nvPicPr>
-          <p:cNvPr id="6" name="Content Placeholder 5">
-            <a:extLst>
-              <a:ext uri="{FF2B5EF4-FFF2-40B4-BE49-F238E27FC236}">
-                <a16:creationId xmlns:a16="http://schemas.microsoft.com/office/drawing/2014/main" id="{35829E8F-5B70-6C45-9D25-4BEE662B8E95}"/>
-              </a:ext>
-            </a:extLst>
-          </p:cNvPr>
-          <p:cNvPicPr>
-            <a:picLocks noGrp="1" noChangeAspect="1"/>
-          </p:cNvPicPr>
-          <p:nvPr>
-            <p:ph sz="half" idx="1"/>
-          </p:nvPr>
-        </p:nvPicPr>
-        <p:blipFill>
-          <a:blip r:embed="rId2"/>
-          <a:srcRect/>
-          <a:stretch/>
-        </p:blipFill>
-        <p:spPr>
-          <a:xfrm>
-            <a:off x="1069975" y="2598208"/>
-            <a:ext cx="4754562" cy="3169708"/>
-          </a:xfrm>
-        </p:spPr>
-      </p:pic>
-      <p:pic>
-        <p:nvPicPr>
-          <p:cNvPr id="7" name="Content Placeholder 6">
-            <a:extLst>
-              <a:ext uri="{FF2B5EF4-FFF2-40B4-BE49-F238E27FC236}">
-                <a16:creationId xmlns:a16="http://schemas.microsoft.com/office/drawing/2014/main" id="{F55B25ED-BF94-FE48-AE6E-EA3BE69C2350}"/>
-              </a:ext>
-            </a:extLst>
-          </p:cNvPr>
-          <p:cNvPicPr>
-            <a:picLocks noGrp="1" noChangeAspect="1"/>
-          </p:cNvPicPr>
-          <p:nvPr>
-            <p:ph sz="half" idx="2"/>
-          </p:nvPr>
-        </p:nvPicPr>
-        <p:blipFill>
-          <a:blip r:embed="rId3"/>
-          <a:srcRect/>
-          <a:stretch/>
-        </p:blipFill>
-        <p:spPr>
-          <a:xfrm>
-            <a:off x="6369924" y="2654810"/>
-            <a:ext cx="4743288" cy="3056504"/>
-          </a:xfrm>
-        </p:spPr>
-      </p:pic>
-    </p:spTree>
-    <p:extLst>
-      <p:ext uri="{BB962C8B-B14F-4D97-AF65-F5344CB8AC3E}">
-        <p14:creationId xmlns:p14="http://schemas.microsoft.com/office/powerpoint/2010/main" val="3229474659"/>
-      </p:ext>
-    </p:extLst>
-  </p:cSld>
-  <p:clrMapOvr>
-    <a:masterClrMapping/>
-  </p:clrMapOvr>
-</p:sld>
-</file>
-
 <file path=ppt/slides/slide2.xml><?xml version="1.0" encoding="utf-8"?>
 <p:sld xmlns:a="http://schemas.openxmlformats.org/drawingml/2006/main" xmlns:r="http://schemas.openxmlformats.org/officeDocument/2006/relationships" xmlns:p="http://schemas.openxmlformats.org/presentationml/2006/main">
   <p:cSld>
@@ -6651,7 +7123,12 @@
             <p:ph type="title"/>
           </p:nvPr>
         </p:nvSpPr>
-        <p:spPr/>
+        <p:spPr>
+          <a:xfrm>
+            <a:off x="1069848" y="45720"/>
+            <a:ext cx="10058400" cy="1005840"/>
+          </a:xfrm>
+        </p:spPr>
         <p:txBody>
           <a:bodyPr>
             <a:normAutofit/>
@@ -6681,7 +7158,12 @@
             <p:ph idx="1"/>
           </p:nvPr>
         </p:nvSpPr>
-        <p:spPr/>
+        <p:spPr>
+          <a:xfrm>
+            <a:off x="594360" y="1243584"/>
+            <a:ext cx="11356848" cy="4928616"/>
+          </a:xfrm>
+        </p:spPr>
         <p:txBody>
           <a:bodyPr>
             <a:noAutofit/>
@@ -7233,7 +7715,7 @@
 </file>
 
 <file path=ppt/slides/slide20.xml><?xml version="1.0" encoding="utf-8"?>
-<p:sld xmlns:a="http://schemas.openxmlformats.org/drawingml/2006/main" xmlns:r="http://schemas.openxmlformats.org/officeDocument/2006/relationships" xmlns:p="http://schemas.openxmlformats.org/presentationml/2006/main">
+<p:sld xmlns:a="http://schemas.openxmlformats.org/drawingml/2006/main" xmlns:r="http://schemas.openxmlformats.org/officeDocument/2006/relationships" xmlns:p="http://schemas.openxmlformats.org/presentationml/2006/main" show="0">
   <p:cSld>
     <p:spTree>
       <p:nvGrpSpPr>
@@ -7254,7 +7736,7 @@
           <p:cNvPr id="2" name="Title 1">
             <a:extLst>
               <a:ext uri="{FF2B5EF4-FFF2-40B4-BE49-F238E27FC236}">
-                <a16:creationId xmlns:a16="http://schemas.microsoft.com/office/drawing/2014/main" id="{CDE37D70-F154-F840-A552-525393F5B582}"/>
+                <a16:creationId xmlns:a16="http://schemas.microsoft.com/office/drawing/2014/main" id="{01A644D8-9691-634A-9A30-BBF066227A00}"/>
               </a:ext>
             </a:extLst>
           </p:cNvPr>
@@ -7265,12 +7747,7 @@
             <p:ph type="title"/>
           </p:nvPr>
         </p:nvSpPr>
-        <p:spPr>
-          <a:xfrm>
-            <a:off x="1069848" y="109728"/>
-            <a:ext cx="10058400" cy="749808"/>
-          </a:xfrm>
-        </p:spPr>
+        <p:spPr/>
         <p:txBody>
           <a:bodyPr>
             <a:normAutofit/>
@@ -7279,426 +7756,77 @@
           <a:p>
             <a:r>
               <a:rPr lang="en-US" sz="4800" dirty="0"/>
-              <a:t>Conclusion</a:t>
-            </a:r>
-          </a:p>
-        </p:txBody>
-      </p:sp>
-      <p:sp>
-        <p:nvSpPr>
-          <p:cNvPr id="3" name="Content Placeholder 2">
+              <a:t>Mortality rate vs. population density</a:t>
+            </a:r>
+          </a:p>
+        </p:txBody>
+      </p:sp>
+      <p:pic>
+        <p:nvPicPr>
+          <p:cNvPr id="6" name="Content Placeholder 5">
             <a:extLst>
               <a:ext uri="{FF2B5EF4-FFF2-40B4-BE49-F238E27FC236}">
-                <a16:creationId xmlns:a16="http://schemas.microsoft.com/office/drawing/2014/main" id="{9EA4337E-5528-0746-905C-4C7828A44938}"/>
+                <a16:creationId xmlns:a16="http://schemas.microsoft.com/office/drawing/2014/main" id="{35829E8F-5B70-6C45-9D25-4BEE662B8E95}"/>
               </a:ext>
             </a:extLst>
           </p:cNvPr>
-          <p:cNvSpPr>
-            <a:spLocks noGrp="1"/>
-          </p:cNvSpPr>
-          <p:nvPr>
-            <p:ph idx="1"/>
-          </p:nvPr>
-        </p:nvSpPr>
+          <p:cNvPicPr>
+            <a:picLocks noGrp="1" noChangeAspect="1"/>
+          </p:cNvPicPr>
+          <p:nvPr>
+            <p:ph sz="half" idx="1"/>
+          </p:nvPr>
+        </p:nvPicPr>
+        <p:blipFill>
+          <a:blip r:embed="rId3"/>
+          <a:srcRect/>
+          <a:stretch/>
+        </p:blipFill>
         <p:spPr>
           <a:xfrm>
-            <a:off x="228600" y="1069848"/>
-            <a:ext cx="11823192" cy="5504688"/>
+            <a:off x="1069975" y="2598208"/>
+            <a:ext cx="4754562" cy="3169708"/>
           </a:xfrm>
         </p:spPr>
-        <p:txBody>
-          <a:bodyPr>
-            <a:normAutofit/>
-          </a:bodyPr>
-          <a:lstStyle/>
-          <a:p>
-            <a:r>
-              <a:rPr lang="en-US" sz="2400" b="1" dirty="0"/>
-              <a:t>There were several shortcomings of our project, primarily the lack of individual result analysis and comparison to state, region, national, and global metrics</a:t>
-            </a:r>
-          </a:p>
-          <a:p>
-            <a:r>
-              <a:rPr lang="en-US" sz="2400" b="1" dirty="0"/>
-              <a:t>Even with the flaws of our study, the results show that COVID-19 does not discriminate</a:t>
-            </a:r>
-          </a:p>
-          <a:p>
-            <a:r>
-              <a:rPr lang="en-US" sz="2400" b="1" dirty="0"/>
-              <a:t>However, we postulate that correlation was not presented due to the following:</a:t>
-            </a:r>
-          </a:p>
-          <a:p>
-            <a:pPr lvl="1"/>
-            <a:r>
-              <a:rPr lang="en-US" sz="2200" b="1" dirty="0"/>
-              <a:t>Age above 65: </a:t>
-            </a:r>
-            <a:r>
-              <a:rPr lang="en-US" sz="2200" dirty="0"/>
-              <a:t>Population not venturing into public for potential exposure</a:t>
-            </a:r>
-          </a:p>
-          <a:p>
-            <a:pPr lvl="1"/>
-            <a:r>
-              <a:rPr lang="en-US" sz="2200" b="1" dirty="0"/>
-              <a:t>Uninsured: </a:t>
-            </a:r>
-            <a:r>
-              <a:rPr lang="en-US" sz="2200" dirty="0"/>
-              <a:t>Without insurance, population less likely to seek medical attention i.e. COVID-19 testing</a:t>
-            </a:r>
-          </a:p>
-          <a:p>
-            <a:pPr lvl="1"/>
-            <a:r>
-              <a:rPr lang="en-US" sz="2200" b="1" dirty="0"/>
-              <a:t>Median Income: </a:t>
-            </a:r>
-            <a:r>
-              <a:rPr lang="en-US" sz="2200" dirty="0"/>
-              <a:t>As a group, we supposed that the poverty line variable would have been more significant and more accurate than median income, but that did not prove out. Most likely due to a potential correlation with uninsured rate (another gap in the study)</a:t>
-            </a:r>
-            <a:endParaRPr lang="en-US" sz="2200" b="1" dirty="0"/>
-          </a:p>
-        </p:txBody>
-      </p:sp>
+      </p:pic>
+      <p:pic>
+        <p:nvPicPr>
+          <p:cNvPr id="7" name="Content Placeholder 6">
+            <a:extLst>
+              <a:ext uri="{FF2B5EF4-FFF2-40B4-BE49-F238E27FC236}">
+                <a16:creationId xmlns:a16="http://schemas.microsoft.com/office/drawing/2014/main" id="{F55B25ED-BF94-FE48-AE6E-EA3BE69C2350}"/>
+              </a:ext>
+            </a:extLst>
+          </p:cNvPr>
+          <p:cNvPicPr>
+            <a:picLocks noGrp="1" noChangeAspect="1"/>
+          </p:cNvPicPr>
+          <p:nvPr>
+            <p:ph sz="half" idx="2"/>
+          </p:nvPr>
+        </p:nvPicPr>
+        <p:blipFill>
+          <a:blip r:embed="rId4"/>
+          <a:srcRect/>
+          <a:stretch/>
+        </p:blipFill>
+        <p:spPr>
+          <a:xfrm>
+            <a:off x="6364288" y="2654810"/>
+            <a:ext cx="4754561" cy="3056504"/>
+          </a:xfrm>
+        </p:spPr>
+      </p:pic>
     </p:spTree>
     <p:extLst>
       <p:ext uri="{BB962C8B-B14F-4D97-AF65-F5344CB8AC3E}">
-        <p14:creationId xmlns:p14="http://schemas.microsoft.com/office/powerpoint/2010/main" val="1834799103"/>
+        <p14:creationId xmlns:p14="http://schemas.microsoft.com/office/powerpoint/2010/main" val="273634984"/>
       </p:ext>
     </p:extLst>
   </p:cSld>
   <p:clrMapOvr>
     <a:masterClrMapping/>
   </p:clrMapOvr>
-  <p:timing>
-    <p:tnLst>
-      <p:par>
-        <p:cTn id="1" dur="indefinite" restart="never" nodeType="tmRoot">
-          <p:childTnLst>
-            <p:seq concurrent="1" nextAc="seek">
-              <p:cTn id="2" dur="indefinite" nodeType="mainSeq">
-                <p:childTnLst>
-                  <p:par>
-                    <p:cTn id="3" fill="hold">
-                      <p:stCondLst>
-                        <p:cond delay="indefinite"/>
-                      </p:stCondLst>
-                      <p:childTnLst>
-                        <p:par>
-                          <p:cTn id="4" fill="hold">
-                            <p:stCondLst>
-                              <p:cond delay="0"/>
-                            </p:stCondLst>
-                            <p:childTnLst>
-                              <p:par>
-                                <p:cTn id="5" presetID="1" presetClass="entr" presetSubtype="0" fill="hold" nodeType="clickEffect">
-                                  <p:stCondLst>
-                                    <p:cond delay="0"/>
-                                  </p:stCondLst>
-                                  <p:childTnLst>
-                                    <p:set>
-                                      <p:cBhvr>
-                                        <p:cTn id="6" dur="1" fill="hold">
-                                          <p:stCondLst>
-                                            <p:cond delay="0"/>
-                                          </p:stCondLst>
-                                        </p:cTn>
-                                        <p:tgtEl>
-                                          <p:spTgt spid="3">
-                                            <p:txEl>
-                                              <p:pRg st="0" end="0"/>
-                                            </p:txEl>
-                                          </p:spTgt>
-                                        </p:tgtEl>
-                                        <p:attrNameLst>
-                                          <p:attrName>style.visibility</p:attrName>
-                                        </p:attrNameLst>
-                                      </p:cBhvr>
-                                      <p:to>
-                                        <p:strVal val="visible"/>
-                                      </p:to>
-                                    </p:set>
-                                  </p:childTnLst>
-                                </p:cTn>
-                              </p:par>
-                            </p:childTnLst>
-                          </p:cTn>
-                        </p:par>
-                      </p:childTnLst>
-                    </p:cTn>
-                  </p:par>
-                  <p:par>
-                    <p:cTn id="7" fill="hold">
-                      <p:stCondLst>
-                        <p:cond delay="indefinite"/>
-                      </p:stCondLst>
-                      <p:childTnLst>
-                        <p:par>
-                          <p:cTn id="8" fill="hold">
-                            <p:stCondLst>
-                              <p:cond delay="0"/>
-                            </p:stCondLst>
-                            <p:childTnLst>
-                              <p:par>
-                                <p:cTn id="9" presetID="1" presetClass="entr" presetSubtype="0" fill="hold" nodeType="clickEffect">
-                                  <p:stCondLst>
-                                    <p:cond delay="0"/>
-                                  </p:stCondLst>
-                                  <p:childTnLst>
-                                    <p:set>
-                                      <p:cBhvr>
-                                        <p:cTn id="10" dur="1" fill="hold">
-                                          <p:stCondLst>
-                                            <p:cond delay="0"/>
-                                          </p:stCondLst>
-                                        </p:cTn>
-                                        <p:tgtEl>
-                                          <p:spTgt spid="3">
-                                            <p:txEl>
-                                              <p:pRg st="1" end="1"/>
-                                            </p:txEl>
-                                          </p:spTgt>
-                                        </p:tgtEl>
-                                        <p:attrNameLst>
-                                          <p:attrName>style.visibility</p:attrName>
-                                        </p:attrNameLst>
-                                      </p:cBhvr>
-                                      <p:to>
-                                        <p:strVal val="visible"/>
-                                      </p:to>
-                                    </p:set>
-                                  </p:childTnLst>
-                                </p:cTn>
-                              </p:par>
-                            </p:childTnLst>
-                          </p:cTn>
-                        </p:par>
-                      </p:childTnLst>
-                    </p:cTn>
-                  </p:par>
-                  <p:par>
-                    <p:cTn id="11" fill="hold">
-                      <p:stCondLst>
-                        <p:cond delay="indefinite"/>
-                      </p:stCondLst>
-                      <p:childTnLst>
-                        <p:par>
-                          <p:cTn id="12" fill="hold">
-                            <p:stCondLst>
-                              <p:cond delay="0"/>
-                            </p:stCondLst>
-                            <p:childTnLst>
-                              <p:par>
-                                <p:cTn id="13" presetID="1" presetClass="entr" presetSubtype="0" fill="hold" nodeType="clickEffect">
-                                  <p:stCondLst>
-                                    <p:cond delay="0"/>
-                                  </p:stCondLst>
-                                  <p:childTnLst>
-                                    <p:set>
-                                      <p:cBhvr>
-                                        <p:cTn id="14" dur="1" fill="hold">
-                                          <p:stCondLst>
-                                            <p:cond delay="0"/>
-                                          </p:stCondLst>
-                                        </p:cTn>
-                                        <p:tgtEl>
-                                          <p:spTgt spid="3">
-                                            <p:txEl>
-                                              <p:pRg st="2" end="2"/>
-                                            </p:txEl>
-                                          </p:spTgt>
-                                        </p:tgtEl>
-                                        <p:attrNameLst>
-                                          <p:attrName>style.visibility</p:attrName>
-                                        </p:attrNameLst>
-                                      </p:cBhvr>
-                                      <p:to>
-                                        <p:strVal val="visible"/>
-                                      </p:to>
-                                    </p:set>
-                                  </p:childTnLst>
-                                </p:cTn>
-                              </p:par>
-                            </p:childTnLst>
-                          </p:cTn>
-                        </p:par>
-                      </p:childTnLst>
-                    </p:cTn>
-                  </p:par>
-                  <p:par>
-                    <p:cTn id="15" fill="hold">
-                      <p:stCondLst>
-                        <p:cond delay="indefinite"/>
-                      </p:stCondLst>
-                      <p:childTnLst>
-                        <p:par>
-                          <p:cTn id="16" fill="hold">
-                            <p:stCondLst>
-                              <p:cond delay="0"/>
-                            </p:stCondLst>
-                            <p:childTnLst>
-                              <p:par>
-                                <p:cTn id="17" presetID="1" presetClass="entr" presetSubtype="0" fill="hold" nodeType="clickEffect">
-                                  <p:stCondLst>
-                                    <p:cond delay="0"/>
-                                  </p:stCondLst>
-                                  <p:childTnLst>
-                                    <p:set>
-                                      <p:cBhvr>
-                                        <p:cTn id="18" dur="1" fill="hold">
-                                          <p:stCondLst>
-                                            <p:cond delay="0"/>
-                                          </p:stCondLst>
-                                        </p:cTn>
-                                        <p:tgtEl>
-                                          <p:spTgt spid="3">
-                                            <p:txEl>
-                                              <p:pRg st="3" end="3"/>
-                                            </p:txEl>
-                                          </p:spTgt>
-                                        </p:tgtEl>
-                                        <p:attrNameLst>
-                                          <p:attrName>style.visibility</p:attrName>
-                                        </p:attrNameLst>
-                                      </p:cBhvr>
-                                      <p:to>
-                                        <p:strVal val="visible"/>
-                                      </p:to>
-                                    </p:set>
-                                  </p:childTnLst>
-                                </p:cTn>
-                              </p:par>
-                            </p:childTnLst>
-                          </p:cTn>
-                        </p:par>
-                      </p:childTnLst>
-                    </p:cTn>
-                  </p:par>
-                  <p:par>
-                    <p:cTn id="19" fill="hold">
-                      <p:stCondLst>
-                        <p:cond delay="indefinite"/>
-                      </p:stCondLst>
-                      <p:childTnLst>
-                        <p:par>
-                          <p:cTn id="20" fill="hold">
-                            <p:stCondLst>
-                              <p:cond delay="0"/>
-                            </p:stCondLst>
-                            <p:childTnLst>
-                              <p:par>
-                                <p:cTn id="21" presetID="1" presetClass="entr" presetSubtype="0" fill="hold" nodeType="clickEffect">
-                                  <p:stCondLst>
-                                    <p:cond delay="0"/>
-                                  </p:stCondLst>
-                                  <p:childTnLst>
-                                    <p:set>
-                                      <p:cBhvr>
-                                        <p:cTn id="22" dur="1" fill="hold">
-                                          <p:stCondLst>
-                                            <p:cond delay="0"/>
-                                          </p:stCondLst>
-                                        </p:cTn>
-                                        <p:tgtEl>
-                                          <p:spTgt spid="3">
-                                            <p:txEl>
-                                              <p:pRg st="4" end="4"/>
-                                            </p:txEl>
-                                          </p:spTgt>
-                                        </p:tgtEl>
-                                        <p:attrNameLst>
-                                          <p:attrName>style.visibility</p:attrName>
-                                        </p:attrNameLst>
-                                      </p:cBhvr>
-                                      <p:to>
-                                        <p:strVal val="visible"/>
-                                      </p:to>
-                                    </p:set>
-                                  </p:childTnLst>
-                                </p:cTn>
-                              </p:par>
-                            </p:childTnLst>
-                          </p:cTn>
-                        </p:par>
-                      </p:childTnLst>
-                    </p:cTn>
-                  </p:par>
-                  <p:par>
-                    <p:cTn id="23" fill="hold">
-                      <p:stCondLst>
-                        <p:cond delay="indefinite"/>
-                      </p:stCondLst>
-                      <p:childTnLst>
-                        <p:par>
-                          <p:cTn id="24" fill="hold">
-                            <p:stCondLst>
-                              <p:cond delay="0"/>
-                            </p:stCondLst>
-                            <p:childTnLst>
-                              <p:par>
-                                <p:cTn id="25" presetID="1" presetClass="entr" presetSubtype="0" fill="hold" nodeType="clickEffect">
-                                  <p:stCondLst>
-                                    <p:cond delay="0"/>
-                                  </p:stCondLst>
-                                  <p:childTnLst>
-                                    <p:set>
-                                      <p:cBhvr>
-                                        <p:cTn id="26" dur="1" fill="hold">
-                                          <p:stCondLst>
-                                            <p:cond delay="0"/>
-                                          </p:stCondLst>
-                                        </p:cTn>
-                                        <p:tgtEl>
-                                          <p:spTgt spid="3">
-                                            <p:txEl>
-                                              <p:pRg st="5" end="5"/>
-                                            </p:txEl>
-                                          </p:spTgt>
-                                        </p:tgtEl>
-                                        <p:attrNameLst>
-                                          <p:attrName>style.visibility</p:attrName>
-                                        </p:attrNameLst>
-                                      </p:cBhvr>
-                                      <p:to>
-                                        <p:strVal val="visible"/>
-                                      </p:to>
-                                    </p:set>
-                                  </p:childTnLst>
-                                </p:cTn>
-                              </p:par>
-                            </p:childTnLst>
-                          </p:cTn>
-                        </p:par>
-                      </p:childTnLst>
-                    </p:cTn>
-                  </p:par>
-                </p:childTnLst>
-              </p:cTn>
-              <p:prevCondLst>
-                <p:cond evt="onPrev" delay="0">
-                  <p:tgtEl>
-                    <p:sldTgt/>
-                  </p:tgtEl>
-                </p:cond>
-              </p:prevCondLst>
-              <p:nextCondLst>
-                <p:cond evt="onNext" delay="0">
-                  <p:tgtEl>
-                    <p:sldTgt/>
-                  </p:tgtEl>
-                </p:cond>
-              </p:nextCondLst>
-            </p:seq>
-          </p:childTnLst>
-        </p:cTn>
-      </p:par>
-    </p:tnLst>
-  </p:timing>
 </p:sld>
 </file>
 
@@ -7778,7 +7906,7 @@
         </p:spPr>
         <p:txBody>
           <a:bodyPr>
-            <a:normAutofit fontScale="85000" lnSpcReduction="10000"/>
+            <a:normAutofit fontScale="92500"/>
           </a:bodyPr>
           <a:lstStyle/>
           <a:p>
@@ -7799,7 +7927,7 @@
               </a:lnSpc>
             </a:pPr>
             <a:r>
-              <a:rPr lang="en-US" sz="2000" b="1" dirty="0"/>
+              <a:rPr lang="en-US" sz="2000" dirty="0"/>
               <a:t>This made it difficult to narrow down the search.</a:t>
             </a:r>
           </a:p>
@@ -7810,24 +7938,24 @@
               </a:lnSpc>
             </a:pPr>
             <a:r>
-              <a:rPr lang="en-US" sz="2000" b="1" dirty="0"/>
+              <a:rPr lang="en-US" sz="2000" dirty="0"/>
               <a:t>We initially looked at any source for Covid-19 data.  We discovered the NYTimes, a SLU professor, Chris </a:t>
             </a:r>
             <a:r>
-              <a:rPr lang="en-US" sz="2000" b="1" dirty="0" err="1"/>
+              <a:rPr lang="en-US" sz="2000" dirty="0" err="1"/>
               <a:t>Prener</a:t>
             </a:r>
             <a:r>
-              <a:rPr lang="en-US" sz="2000" b="1" dirty="0"/>
+              <a:rPr lang="en-US" sz="2000" dirty="0"/>
               <a:t>, MO data. Additionally we looked at health.mo.gov and </a:t>
             </a:r>
             <a:r>
-              <a:rPr lang="en-US" sz="2000" b="1" dirty="0" err="1"/>
+              <a:rPr lang="en-US" sz="2000" dirty="0" err="1"/>
               <a:t>meric.mo.go</a:t>
             </a:r>
             <a:r>
-              <a:rPr lang="en-US" sz="2000" b="1" dirty="0"/>
-              <a:t>/data for county size, insurance, </a:t>
+              <a:rPr lang="en-US" sz="2000" dirty="0"/>
+              <a:t>/data for county size, insurance etc.</a:t>
             </a:r>
           </a:p>
           <a:p>
@@ -7837,16 +7965,16 @@
               </a:lnSpc>
             </a:pPr>
             <a:r>
-              <a:rPr lang="en-US" sz="2000" b="1" dirty="0"/>
-              <a:t>The NYTimes data was used by the SLU professor, Chris </a:t>
-            </a:r>
-            <a:r>
-              <a:rPr lang="en-US" sz="2000" b="1" dirty="0" err="1"/>
-              <a:t>Prener</a:t>
-            </a:r>
-            <a:r>
-              <a:rPr lang="en-US" sz="2000" b="1" dirty="0"/>
-              <a:t>.</a:t>
+              <a:rPr lang="en-US" sz="2000" dirty="0"/>
+              <a:t>The SLU data also included data from the Missouri </a:t>
+            </a:r>
+            <a:r>
+              <a:rPr lang="en-US" sz="2000" dirty="0" err="1"/>
+              <a:t>Covid</a:t>
+            </a:r>
+            <a:r>
+              <a:rPr lang="en-US" sz="2000" dirty="0"/>
+              <a:t> Tracking Project</a:t>
             </a:r>
           </a:p>
           <a:p>
@@ -7856,34 +7984,15 @@
               </a:lnSpc>
             </a:pPr>
             <a:r>
-              <a:rPr lang="en-US" sz="2000" b="1" dirty="0"/>
-              <a:t> The SLU data also included data from the Missouri </a:t>
-            </a:r>
-            <a:r>
-              <a:rPr lang="en-US" sz="2000" b="1" dirty="0" err="1"/>
-              <a:t>Covid</a:t>
-            </a:r>
-            <a:r>
-              <a:rPr lang="en-US" sz="2000" b="1" dirty="0"/>
-              <a:t> Tracking Project</a:t>
-            </a:r>
-          </a:p>
-          <a:p>
-            <a:pPr lvl="1">
-              <a:lnSpc>
-                <a:spcPct val="150000"/>
-              </a:lnSpc>
-            </a:pPr>
-            <a:r>
-              <a:rPr lang="en-US" sz="2000" b="1" dirty="0"/>
+              <a:rPr lang="en-US" sz="2000" dirty="0"/>
               <a:t>The data we did use had an incredible amount of columns, hospital bed capacity, beds in use, </a:t>
             </a:r>
             <a:r>
-              <a:rPr lang="en-US" sz="2000" b="1" dirty="0" err="1"/>
+              <a:rPr lang="en-US" sz="2000" dirty="0" err="1"/>
               <a:t>icu</a:t>
             </a:r>
             <a:r>
-              <a:rPr lang="en-US" sz="2000" b="1" dirty="0"/>
+              <a:rPr lang="en-US" sz="2000" dirty="0"/>
               <a:t> beds, number of hospitals reporting and number of those that aren’t, total tests, area of county, race percentages, percentage that carpool vs those that do not, percentage with various degrees.</a:t>
             </a:r>
           </a:p>
@@ -8073,7 +8182,7 @@
                                         <p:tgtEl>
                                           <p:spTgt spid="3">
                                             <p:txEl>
-                                              <p:pRg st="5" end="5"/>
+                                              <p:pRg st="4" end="4"/>
                                             </p:txEl>
                                           </p:spTgt>
                                         </p:tgtEl>
@@ -8220,7 +8329,7 @@
                                         <p:tgtEl>
                                           <p:spTgt spid="3">
                                             <p:txEl>
-                                              <p:pRg st="4" end="4"/>
+                                              <p:pRg st="5" end="5"/>
                                             </p:txEl>
                                           </p:spTgt>
                                         </p:tgtEl>
@@ -8284,33 +8393,15 @@
                                   </p:childTnLst>
                                 </p:cTn>
                               </p:par>
-                            </p:childTnLst>
-                          </p:cTn>
-                        </p:par>
-                      </p:childTnLst>
-                    </p:cTn>
-                  </p:par>
-                  <p:par>
-                    <p:cTn id="31" fill="hold">
-                      <p:stCondLst>
-                        <p:cond delay="indefinite"/>
-                      </p:stCondLst>
-                      <p:childTnLst>
-                        <p:par>
-                          <p:cTn id="32" fill="hold">
-                            <p:stCondLst>
-                              <p:cond delay="0"/>
-                            </p:stCondLst>
-                            <p:childTnLst>
                               <p:par>
-                                <p:cTn id="33" presetID="1" presetClass="entr" presetSubtype="0" fill="hold" nodeType="clickEffect">
+                                <p:cTn id="31" presetID="1" presetClass="entr" presetSubtype="0" fill="hold" nodeType="withEffect">
                                   <p:stCondLst>
                                     <p:cond delay="0"/>
                                   </p:stCondLst>
                                   <p:childTnLst>
                                     <p:set>
                                       <p:cBhvr>
-                                        <p:cTn id="34" dur="1" fill="hold">
+                                        <p:cTn id="32" dur="1" fill="hold">
                                           <p:stCondLst>
                                             <p:cond delay="0"/>
                                           </p:stCondLst>
@@ -8319,37 +8410,6 @@
                                           <p:spTgt spid="3">
                                             <p:txEl>
                                               <p:pRg st="7" end="7"/>
-                                            </p:txEl>
-                                          </p:spTgt>
-                                        </p:tgtEl>
-                                        <p:attrNameLst>
-                                          <p:attrName>style.visibility</p:attrName>
-                                        </p:attrNameLst>
-                                      </p:cBhvr>
-                                      <p:to>
-                                        <p:strVal val="visible"/>
-                                      </p:to>
-                                    </p:set>
-                                  </p:childTnLst>
-                                </p:cTn>
-                              </p:par>
-                              <p:par>
-                                <p:cTn id="35" presetID="1" presetClass="entr" presetSubtype="0" fill="hold" nodeType="withEffect">
-                                  <p:stCondLst>
-                                    <p:cond delay="0"/>
-                                  </p:stCondLst>
-                                  <p:childTnLst>
-                                    <p:set>
-                                      <p:cBhvr>
-                                        <p:cTn id="36" dur="1" fill="hold">
-                                          <p:stCondLst>
-                                            <p:cond delay="0"/>
-                                          </p:stCondLst>
-                                        </p:cTn>
-                                        <p:tgtEl>
-                                          <p:spTgt spid="3">
-                                            <p:txEl>
-                                              <p:pRg st="8" end="8"/>
                                             </p:txEl>
                                           </p:spTgt>
                                         </p:tgtEl>
@@ -8428,7 +8488,12 @@
             <p:ph type="title"/>
           </p:nvPr>
         </p:nvSpPr>
-        <p:spPr/>
+        <p:spPr>
+          <a:xfrm>
+            <a:off x="822960" y="0"/>
+            <a:ext cx="10058400" cy="1069848"/>
+          </a:xfrm>
+        </p:spPr>
         <p:txBody>
           <a:bodyPr>
             <a:normAutofit/>
@@ -8458,7 +8523,12 @@
             <p:ph idx="1"/>
           </p:nvPr>
         </p:nvSpPr>
-        <p:spPr/>
+        <p:spPr>
+          <a:xfrm>
+            <a:off x="402336" y="1069848"/>
+            <a:ext cx="11567160" cy="5102352"/>
+          </a:xfrm>
+        </p:spPr>
         <p:txBody>
           <a:bodyPr>
             <a:normAutofit/>
@@ -8952,7 +9022,7 @@
         </p:spPr>
         <p:txBody>
           <a:bodyPr vert="horz" lIns="91440" tIns="45720" rIns="91440" bIns="45720" rtlCol="0">
-            <a:normAutofit fontScale="85000" lnSpcReduction="20000"/>
+            <a:normAutofit/>
           </a:bodyPr>
           <a:lstStyle>
             <a:lvl1pPr marL="182880" indent="-182880" algn="l" defTabSz="914400" rtl="0" eaLnBrk="1" latinLnBrk="0" hangingPunct="1">
@@ -9197,55 +9267,7 @@
             </a:lvl9pPr>
           </a:lstStyle>
           <a:p>
-            <a:r>
-              <a:rPr lang="en-US" sz="2400" b="1" dirty="0" err="1"/>
-              <a:t>Covid</a:t>
-            </a:r>
-            <a:r>
-              <a:rPr lang="en-US" sz="2400" b="1" dirty="0"/>
-              <a:t> County Data API allowed us to combine </a:t>
-            </a:r>
-            <a:r>
-              <a:rPr lang="en-US" sz="2400" b="1" dirty="0" err="1"/>
-              <a:t>Covid</a:t>
-            </a:r>
-            <a:r>
-              <a:rPr lang="en-US" sz="2400" b="1" dirty="0"/>
-              <a:t> datasets with the county-level demographic data.</a:t>
-            </a:r>
-          </a:p>
-          <a:p>
-            <a:r>
-              <a:rPr lang="en-US" sz="2400" b="1" dirty="0"/>
-              <a:t>The only thing missing from the dataset was the county name.</a:t>
-            </a:r>
-          </a:p>
-          <a:p>
-            <a:r>
-              <a:rPr lang="en-US" sz="2400" b="1" dirty="0"/>
-              <a:t>This was pulled from the US Census Bureau county dataset using the FIPS ID.</a:t>
-            </a:r>
-          </a:p>
-          <a:p>
-            <a:pPr lvl="1"/>
-            <a:r>
-              <a:rPr lang="en-US" dirty="0"/>
-              <a:t>This caused issues since the FIPS ID in one dataset was an integer and the other was an object.</a:t>
-            </a:r>
-          </a:p>
-          <a:p>
-            <a:pPr lvl="1"/>
-            <a:r>
-              <a:rPr lang="en-US" dirty="0"/>
-              <a:t>Converting the FIPS to an object was difficult because the leading zeroes were necessary (not for Missouri, but for the entire US dataset).</a:t>
-            </a:r>
-          </a:p>
-          <a:p>
-            <a:pPr lvl="1"/>
-            <a:r>
-              <a:rPr lang="en-US" dirty="0"/>
-              <a:t>We were not successful, mainly due to the fact that the MO data was fine (no leading zeroes), so the team decided it was not worth the effort.</a:t>
-            </a:r>
+            <a:endParaRPr lang="en-US" dirty="0"/>
           </a:p>
         </p:txBody>
       </p:sp>
@@ -9280,10 +9302,15 @@
                             </p:stCondLst>
                             <p:childTnLst>
                               <p:par>
-                                <p:cTn id="5" presetID="1" presetClass="entr" presetSubtype="0" fill="hold" nodeType="clickEffect">
+                                <p:cTn id="5" presetID="1" presetClass="entr" presetSubtype="0" fill="hold" nodeType="clickEffect" nodePh="1">
                                   <p:stCondLst>
                                     <p:cond delay="0"/>
                                   </p:stCondLst>
+                                  <p:endCondLst>
+                                    <p:cond evt="begin" delay="0">
+                                      <p:tn val="5"/>
+                                    </p:cond>
+                                  </p:endCondLst>
                                   <p:childTnLst>
                                     <p:set>
                                       <p:cBhvr>
@@ -9296,215 +9323,6 @@
                                           <p:spTgt spid="5">
                                             <p:txEl>
                                               <p:pRg st="0" end="0"/>
-                                            </p:txEl>
-                                          </p:spTgt>
-                                        </p:tgtEl>
-                                        <p:attrNameLst>
-                                          <p:attrName>style.visibility</p:attrName>
-                                        </p:attrNameLst>
-                                      </p:cBhvr>
-                                      <p:to>
-                                        <p:strVal val="visible"/>
-                                      </p:to>
-                                    </p:set>
-                                  </p:childTnLst>
-                                </p:cTn>
-                              </p:par>
-                            </p:childTnLst>
-                          </p:cTn>
-                        </p:par>
-                      </p:childTnLst>
-                    </p:cTn>
-                  </p:par>
-                  <p:par>
-                    <p:cTn id="7" fill="hold">
-                      <p:stCondLst>
-                        <p:cond delay="indefinite"/>
-                      </p:stCondLst>
-                      <p:childTnLst>
-                        <p:par>
-                          <p:cTn id="8" fill="hold">
-                            <p:stCondLst>
-                              <p:cond delay="0"/>
-                            </p:stCondLst>
-                            <p:childTnLst>
-                              <p:par>
-                                <p:cTn id="9" presetID="1" presetClass="entr" presetSubtype="0" fill="hold" nodeType="clickEffect">
-                                  <p:stCondLst>
-                                    <p:cond delay="0"/>
-                                  </p:stCondLst>
-                                  <p:childTnLst>
-                                    <p:set>
-                                      <p:cBhvr>
-                                        <p:cTn id="10" dur="1" fill="hold">
-                                          <p:stCondLst>
-                                            <p:cond delay="0"/>
-                                          </p:stCondLst>
-                                        </p:cTn>
-                                        <p:tgtEl>
-                                          <p:spTgt spid="5">
-                                            <p:txEl>
-                                              <p:pRg st="1" end="1"/>
-                                            </p:txEl>
-                                          </p:spTgt>
-                                        </p:tgtEl>
-                                        <p:attrNameLst>
-                                          <p:attrName>style.visibility</p:attrName>
-                                        </p:attrNameLst>
-                                      </p:cBhvr>
-                                      <p:to>
-                                        <p:strVal val="visible"/>
-                                      </p:to>
-                                    </p:set>
-                                  </p:childTnLst>
-                                </p:cTn>
-                              </p:par>
-                            </p:childTnLst>
-                          </p:cTn>
-                        </p:par>
-                      </p:childTnLst>
-                    </p:cTn>
-                  </p:par>
-                  <p:par>
-                    <p:cTn id="11" fill="hold">
-                      <p:stCondLst>
-                        <p:cond delay="indefinite"/>
-                      </p:stCondLst>
-                      <p:childTnLst>
-                        <p:par>
-                          <p:cTn id="12" fill="hold">
-                            <p:stCondLst>
-                              <p:cond delay="0"/>
-                            </p:stCondLst>
-                            <p:childTnLst>
-                              <p:par>
-                                <p:cTn id="13" presetID="1" presetClass="entr" presetSubtype="0" fill="hold" nodeType="clickEffect">
-                                  <p:stCondLst>
-                                    <p:cond delay="0"/>
-                                  </p:stCondLst>
-                                  <p:childTnLst>
-                                    <p:set>
-                                      <p:cBhvr>
-                                        <p:cTn id="14" dur="1" fill="hold">
-                                          <p:stCondLst>
-                                            <p:cond delay="0"/>
-                                          </p:stCondLst>
-                                        </p:cTn>
-                                        <p:tgtEl>
-                                          <p:spTgt spid="5">
-                                            <p:txEl>
-                                              <p:pRg st="2" end="2"/>
-                                            </p:txEl>
-                                          </p:spTgt>
-                                        </p:tgtEl>
-                                        <p:attrNameLst>
-                                          <p:attrName>style.visibility</p:attrName>
-                                        </p:attrNameLst>
-                                      </p:cBhvr>
-                                      <p:to>
-                                        <p:strVal val="visible"/>
-                                      </p:to>
-                                    </p:set>
-                                  </p:childTnLst>
-                                </p:cTn>
-                              </p:par>
-                            </p:childTnLst>
-                          </p:cTn>
-                        </p:par>
-                      </p:childTnLst>
-                    </p:cTn>
-                  </p:par>
-                  <p:par>
-                    <p:cTn id="15" fill="hold">
-                      <p:stCondLst>
-                        <p:cond delay="indefinite"/>
-                      </p:stCondLst>
-                      <p:childTnLst>
-                        <p:par>
-                          <p:cTn id="16" fill="hold">
-                            <p:stCondLst>
-                              <p:cond delay="0"/>
-                            </p:stCondLst>
-                            <p:childTnLst>
-                              <p:par>
-                                <p:cTn id="17" presetID="1" presetClass="entr" presetSubtype="0" fill="hold" nodeType="clickEffect">
-                                  <p:stCondLst>
-                                    <p:cond delay="0"/>
-                                  </p:stCondLst>
-                                  <p:childTnLst>
-                                    <p:set>
-                                      <p:cBhvr>
-                                        <p:cTn id="18" dur="1" fill="hold">
-                                          <p:stCondLst>
-                                            <p:cond delay="0"/>
-                                          </p:stCondLst>
-                                        </p:cTn>
-                                        <p:tgtEl>
-                                          <p:spTgt spid="5">
-                                            <p:txEl>
-                                              <p:pRg st="3" end="3"/>
-                                            </p:txEl>
-                                          </p:spTgt>
-                                        </p:tgtEl>
-                                        <p:attrNameLst>
-                                          <p:attrName>style.visibility</p:attrName>
-                                        </p:attrNameLst>
-                                      </p:cBhvr>
-                                      <p:to>
-                                        <p:strVal val="visible"/>
-                                      </p:to>
-                                    </p:set>
-                                  </p:childTnLst>
-                                </p:cTn>
-                              </p:par>
-                              <p:par>
-                                <p:cTn id="19" presetID="1" presetClass="entr" presetSubtype="0" fill="hold" nodeType="withEffect">
-                                  <p:stCondLst>
-                                    <p:cond delay="0"/>
-                                  </p:stCondLst>
-                                  <p:childTnLst>
-                                    <p:set>
-                                      <p:cBhvr>
-                                        <p:cTn id="20" dur="1" fill="hold">
-                                          <p:stCondLst>
-                                            <p:cond delay="0"/>
-                                          </p:stCondLst>
-                                        </p:cTn>
-                                        <p:tgtEl>
-                                          <p:spTgt spid="5">
-                                            <p:txEl>
-                                              <p:pRg st="4" end="4"/>
-                                            </p:txEl>
-                                          </p:spTgt>
-                                        </p:tgtEl>
-                                        <p:attrNameLst>
-                                          <p:attrName>style.visibility</p:attrName>
-                                        </p:attrNameLst>
-                                      </p:cBhvr>
-                                      <p:to>
-                                        <p:strVal val="visible"/>
-                                      </p:to>
-                                    </p:set>
-                                  </p:childTnLst>
-                                </p:cTn>
-                              </p:par>
-                              <p:par>
-                                <p:cTn id="21" presetID="1" presetClass="entr" presetSubtype="0" fill="hold" nodeType="withEffect">
-                                  <p:stCondLst>
-                                    <p:cond delay="0"/>
-                                  </p:stCondLst>
-                                  <p:childTnLst>
-                                    <p:set>
-                                      <p:cBhvr>
-                                        <p:cTn id="22" dur="1" fill="hold">
-                                          <p:stCondLst>
-                                            <p:cond delay="0"/>
-                                          </p:stCondLst>
-                                        </p:cTn>
-                                        <p:tgtEl>
-                                          <p:spTgt spid="5">
-                                            <p:txEl>
-                                              <p:pRg st="5" end="5"/>
                                             </p:txEl>
                                           </p:spTgt>
                                         </p:tgtEl>
@@ -9591,8 +9409,8 @@
           <a:lstStyle/>
           <a:p>
             <a:r>
-              <a:rPr lang="en-US" sz="4800" spc="-200" dirty="0"/>
-              <a:t>deaths per capita vs. Median household income</a:t>
+              <a:rPr lang="en-US" sz="4800" spc="-100" dirty="0"/>
+              <a:t>Cases per capita vs. pop. Below poverty line</a:t>
             </a:r>
           </a:p>
         </p:txBody>
@@ -9627,10 +9445,10 @@
       </p:pic>
       <p:pic>
         <p:nvPicPr>
-          <p:cNvPr id="7" name="Content Placeholder 6" descr="A picture containing orange&#10;&#10;Description automatically generated">
+          <p:cNvPr id="10" name="Content Placeholder 9">
             <a:extLst>
               <a:ext uri="{FF2B5EF4-FFF2-40B4-BE49-F238E27FC236}">
-                <a16:creationId xmlns:a16="http://schemas.microsoft.com/office/drawing/2014/main" id="{F55B25ED-BF94-FE48-AE6E-EA3BE69C2350}"/>
+                <a16:creationId xmlns:a16="http://schemas.microsoft.com/office/drawing/2014/main" id="{E0130CD1-8665-C147-882B-EE0B0FB4040E}"/>
               </a:ext>
             </a:extLst>
           </p:cNvPr>
@@ -9643,21 +9461,20 @@
         </p:nvPicPr>
         <p:blipFill>
           <a:blip r:embed="rId3"/>
-          <a:stretch>
-            <a:fillRect/>
-          </a:stretch>
+          <a:srcRect/>
+          <a:stretch/>
         </p:blipFill>
         <p:spPr>
           <a:xfrm>
             <a:off x="6364288" y="2654810"/>
-            <a:ext cx="4754562" cy="3056504"/>
+            <a:ext cx="4754561" cy="3056503"/>
           </a:xfrm>
         </p:spPr>
       </p:pic>
     </p:spTree>
     <p:extLst>
       <p:ext uri="{BB962C8B-B14F-4D97-AF65-F5344CB8AC3E}">
-        <p14:creationId xmlns:p14="http://schemas.microsoft.com/office/powerpoint/2010/main" val="2444613281"/>
+        <p14:creationId xmlns:p14="http://schemas.microsoft.com/office/powerpoint/2010/main" val="48757069"/>
       </p:ext>
     </p:extLst>
   </p:cSld>
@@ -9708,8 +9525,8 @@
           <a:lstStyle/>
           <a:p>
             <a:r>
-              <a:rPr lang="en-US" sz="4800" spc="-100" dirty="0"/>
-              <a:t>Mortality rate vs. Median household income</a:t>
+              <a:rPr lang="en-US" sz="4800" dirty="0"/>
+              <a:t>Cases per capita vs. Population age 65+</a:t>
             </a:r>
           </a:p>
         </p:txBody>
@@ -9731,7 +9548,7 @@
           </p:nvPr>
         </p:nvPicPr>
         <p:blipFill>
-          <a:blip r:embed="rId2"/>
+          <a:blip r:embed="rId3"/>
           <a:srcRect/>
           <a:stretch/>
         </p:blipFill>
@@ -9744,10 +9561,10 @@
       </p:pic>
       <p:pic>
         <p:nvPicPr>
-          <p:cNvPr id="7" name="Content Placeholder 6" descr="A picture containing orange&#10;&#10;Description automatically generated">
+          <p:cNvPr id="10" name="Content Placeholder 9">
             <a:extLst>
               <a:ext uri="{FF2B5EF4-FFF2-40B4-BE49-F238E27FC236}">
-                <a16:creationId xmlns:a16="http://schemas.microsoft.com/office/drawing/2014/main" id="{F55B25ED-BF94-FE48-AE6E-EA3BE69C2350}"/>
+                <a16:creationId xmlns:a16="http://schemas.microsoft.com/office/drawing/2014/main" id="{E0130CD1-8665-C147-882B-EE0B0FB4040E}"/>
               </a:ext>
             </a:extLst>
           </p:cNvPr>
@@ -9759,22 +9576,21 @@
           </p:nvPr>
         </p:nvPicPr>
         <p:blipFill>
-          <a:blip r:embed="rId3"/>
-          <a:stretch>
-            <a:fillRect/>
-          </a:stretch>
+          <a:blip r:embed="rId4"/>
+          <a:srcRect/>
+          <a:stretch/>
         </p:blipFill>
         <p:spPr>
           <a:xfrm>
             <a:off x="6364288" y="2654810"/>
-            <a:ext cx="4754562" cy="3056504"/>
+            <a:ext cx="4754561" cy="3056503"/>
           </a:xfrm>
         </p:spPr>
       </p:pic>
     </p:spTree>
     <p:extLst>
       <p:ext uri="{BB962C8B-B14F-4D97-AF65-F5344CB8AC3E}">
-        <p14:creationId xmlns:p14="http://schemas.microsoft.com/office/powerpoint/2010/main" val="3160687127"/>
+        <p14:creationId xmlns:p14="http://schemas.microsoft.com/office/powerpoint/2010/main" val="1306913722"/>
       </p:ext>
     </p:extLst>
   </p:cSld>
@@ -9825,8 +9641,8 @@
           <a:lstStyle/>
           <a:p>
             <a:r>
-              <a:rPr lang="en-US" sz="4800" spc="-100" dirty="0"/>
-              <a:t>Cases per capita vs. pop. Below poverty line</a:t>
+              <a:rPr lang="en-US" sz="4800" dirty="0"/>
+              <a:t>Cases per capita vs. population density</a:t>
             </a:r>
           </a:p>
         </p:txBody>
@@ -9890,7 +9706,7 @@
     </p:spTree>
     <p:extLst>
       <p:ext uri="{BB962C8B-B14F-4D97-AF65-F5344CB8AC3E}">
-        <p14:creationId xmlns:p14="http://schemas.microsoft.com/office/powerpoint/2010/main" val="48757069"/>
+        <p14:creationId xmlns:p14="http://schemas.microsoft.com/office/powerpoint/2010/main" val="2731235243"/>
       </p:ext>
     </p:extLst>
   </p:cSld>
@@ -9941,8 +9757,8 @@
           <a:lstStyle/>
           <a:p>
             <a:r>
-              <a:rPr lang="en-US" sz="4800" spc="-100" dirty="0"/>
-              <a:t>deaths per capita vs. pop. Below poverty line</a:t>
+              <a:rPr lang="en-US" sz="4800" dirty="0"/>
+              <a:t>Cases per capita vs. uninsured population</a:t>
             </a:r>
           </a:p>
         </p:txBody>
@@ -9964,7 +9780,7 @@
           </p:nvPr>
         </p:nvPicPr>
         <p:blipFill>
-          <a:blip r:embed="rId2"/>
+          <a:blip r:embed="rId3"/>
           <a:srcRect/>
           <a:stretch/>
         </p:blipFill>
@@ -9977,10 +9793,10 @@
       </p:pic>
       <p:pic>
         <p:nvPicPr>
-          <p:cNvPr id="7" name="Content Placeholder 6">
+          <p:cNvPr id="10" name="Content Placeholder 9">
             <a:extLst>
               <a:ext uri="{FF2B5EF4-FFF2-40B4-BE49-F238E27FC236}">
-                <a16:creationId xmlns:a16="http://schemas.microsoft.com/office/drawing/2014/main" id="{F55B25ED-BF94-FE48-AE6E-EA3BE69C2350}"/>
+                <a16:creationId xmlns:a16="http://schemas.microsoft.com/office/drawing/2014/main" id="{E0130CD1-8665-C147-882B-EE0B0FB4040E}"/>
               </a:ext>
             </a:extLst>
           </p:cNvPr>
@@ -9992,21 +9808,21 @@
           </p:nvPr>
         </p:nvPicPr>
         <p:blipFill>
-          <a:blip r:embed="rId3"/>
+          <a:blip r:embed="rId4"/>
           <a:srcRect/>
           <a:stretch/>
         </p:blipFill>
         <p:spPr>
           <a:xfrm>
             <a:off x="6364288" y="2654810"/>
-            <a:ext cx="4754561" cy="3056504"/>
+            <a:ext cx="4754560" cy="3056503"/>
           </a:xfrm>
         </p:spPr>
       </p:pic>
     </p:spTree>
     <p:extLst>
       <p:ext uri="{BB962C8B-B14F-4D97-AF65-F5344CB8AC3E}">
-        <p14:creationId xmlns:p14="http://schemas.microsoft.com/office/powerpoint/2010/main" val="874110007"/>
+        <p14:creationId xmlns:p14="http://schemas.microsoft.com/office/powerpoint/2010/main" val="3842684722"/>
       </p:ext>
     </p:extLst>
   </p:cSld>
